--- a/team_2_movie_presentation.pptx
+++ b/team_2_movie_presentation.pptx
@@ -5,13 +5,16 @@
     <p:sldMasterId id="2147483648" r:id="rId1"/>
   </p:sldMasterIdLst>
   <p:notesMasterIdLst>
-    <p:notesMasterId r:id="rId6"/>
+    <p:notesMasterId r:id="rId9"/>
   </p:notesMasterIdLst>
   <p:sldIdLst>
     <p:sldId id="279" r:id="rId2"/>
-    <p:sldId id="281" r:id="rId3"/>
-    <p:sldId id="280" r:id="rId4"/>
-    <p:sldId id="282" r:id="rId5"/>
+    <p:sldId id="285" r:id="rId3"/>
+    <p:sldId id="281" r:id="rId4"/>
+    <p:sldId id="284" r:id="rId5"/>
+    <p:sldId id="280" r:id="rId6"/>
+    <p:sldId id="286" r:id="rId7"/>
+    <p:sldId id="282" r:id="rId8"/>
   </p:sldIdLst>
   <p:sldSz cx="9144000" cy="6858000" type="screen4x3"/>
   <p:notesSz cx="6858000" cy="9144000"/>
@@ -140,6 +143,22 @@
       </a:defRPr>
     </a:lvl9pPr>
   </p:defaultTextStyle>
+  <p:extLst>
+    <p:ext uri="{EFAFB233-063F-42B5-8137-9DF3F51BA10A}">
+      <p15:sldGuideLst xmlns:p15="http://schemas.microsoft.com/office/powerpoint/2012/main">
+        <p15:guide id="1" orient="horz" pos="113">
+          <p15:clr>
+            <a:srgbClr val="A4A3A4"/>
+          </p15:clr>
+        </p15:guide>
+        <p15:guide id="2" pos="257">
+          <p15:clr>
+            <a:srgbClr val="A4A3A4"/>
+          </p15:clr>
+        </p15:guide>
+      </p15:sldGuideLst>
+    </p:ext>
+  </p:extLst>
 </p:presentation>
 </file>
 
@@ -707,6 +726,11 @@
         </p:txBody>
       </p:sp>
     </p:spTree>
+    <p:extLst>
+      <p:ext uri="{BB962C8B-B14F-4D97-AF65-F5344CB8AC3E}">
+        <p14:creationId xmlns:p14="http://schemas.microsoft.com/office/powerpoint/2010/main" val="122649641"/>
+      </p:ext>
+    </p:extLst>
   </p:cSld>
   <p:clrMapOvr>
     <a:masterClrMapping/>
@@ -785,7 +809,7 @@
               <a:pPr>
                 <a:defRPr/>
               </a:pPr>
-              <a:t>3</a:t>
+              <a:t>5</a:t>
             </a:fld>
             <a:endParaRPr lang="en-US" dirty="0"/>
           </a:p>
@@ -2924,7 +2948,6 @@
               <a:rPr lang="en-US" dirty="0" smtClean="0"/>
               <a:t>Beyond SQL (team 2)</a:t>
             </a:r>
-            <a:endParaRPr lang="en-US" dirty="0" smtClean="0"/>
           </a:p>
         </p:txBody>
       </p:sp>
@@ -3003,10 +3026,14 @@
           <a:lstStyle/>
           <a:p>
             <a:r>
-              <a:rPr lang="en-US" dirty="0" smtClean="0"/>
-              <a:t>Data sources	</a:t>
-            </a:r>
-            <a:endParaRPr lang="en-US" dirty="0"/>
+              <a:rPr lang="en-US" sz="2400" dirty="0" smtClean="0"/>
+              <a:t>We are consulting a venture company for investment decisions</a:t>
+            </a:r>
+            <a:r>
+              <a:rPr lang="is-IS" sz="2400" dirty="0" smtClean="0"/>
+              <a:t>…</a:t>
+            </a:r>
+            <a:endParaRPr lang="en-US" sz="2400" dirty="0"/>
           </a:p>
         </p:txBody>
       </p:sp>
@@ -3027,147 +3054,31 @@
           <a:p>
             <a:r>
               <a:rPr lang="en-US" dirty="0" smtClean="0"/>
-              <a:t>Finance data</a:t>
-            </a:r>
-          </a:p>
-          <a:p>
-            <a:pPr lvl="1"/>
+              <a:t>Venture capital company – Brian &amp; Mark, Inc. has $100M fund and want to invest into the movie industry</a:t>
+            </a:r>
+          </a:p>
+          <a:p>
+            <a:endParaRPr lang="en-US" dirty="0"/>
+          </a:p>
+          <a:p>
             <a:r>
               <a:rPr lang="en-US" dirty="0" smtClean="0"/>
-              <a:t>Scraped </a:t>
-            </a:r>
-            <a:r>
-              <a:rPr lang="en-US" dirty="0"/>
-              <a:t>data from boxofficemojo.com </a:t>
-            </a:r>
-            <a:endParaRPr lang="en-US" dirty="0" smtClean="0"/>
-          </a:p>
-          <a:p>
-            <a:pPr lvl="1"/>
-            <a:r>
-              <a:rPr lang="en-US" dirty="0" smtClean="0"/>
-              <a:t>Source:  Instructors</a:t>
-            </a:r>
-          </a:p>
-          <a:p>
-            <a:r>
-              <a:rPr lang="en-US" dirty="0" smtClean="0"/>
-              <a:t>Film criticism data</a:t>
-            </a:r>
-          </a:p>
-          <a:p>
-            <a:pPr lvl="1"/>
-            <a:r>
-              <a:rPr lang="en-US" dirty="0"/>
-              <a:t>S</a:t>
-            </a:r>
-            <a:r>
-              <a:rPr lang="en-US" dirty="0" smtClean="0"/>
-              <a:t>craped data from metacritic.com</a:t>
-            </a:r>
-          </a:p>
-          <a:p>
-            <a:pPr lvl="1"/>
-            <a:r>
-              <a:rPr lang="en-US" dirty="0"/>
-              <a:t>Source:  </a:t>
-            </a:r>
-            <a:r>
-              <a:rPr lang="en-US" dirty="0" smtClean="0"/>
-              <a:t>Instructors</a:t>
-            </a:r>
-          </a:p>
-          <a:p>
-            <a:r>
-              <a:rPr lang="en-US" dirty="0" smtClean="0"/>
-              <a:t>Film Award data</a:t>
-            </a:r>
-          </a:p>
-          <a:p>
-            <a:pPr lvl="1"/>
-            <a:r>
-              <a:rPr lang="en-US" dirty="0"/>
-              <a:t>D</a:t>
-            </a:r>
-            <a:r>
-              <a:rPr lang="en-US" dirty="0" smtClean="0"/>
-              <a:t>ownloaded .csv of Academy Award nominees and winners from 1928 – 2010</a:t>
-            </a:r>
-          </a:p>
-          <a:p>
-            <a:pPr lvl="1"/>
-            <a:r>
-              <a:rPr lang="en-US" dirty="0"/>
-              <a:t>Source: </a:t>
-            </a:r>
-            <a:r>
-              <a:rPr lang="en-US" dirty="0">
-                <a:hlinkClick r:id="rId2"/>
-              </a:rPr>
-              <a:t>https://</a:t>
-            </a:r>
-            <a:r>
-              <a:rPr lang="en-US" dirty="0" smtClean="0">
-                <a:hlinkClick r:id="rId2"/>
-              </a:rPr>
-              <a:t>www.aggdata.com/awards/oscar</a:t>
-            </a:r>
-            <a:r>
-              <a:rPr lang="en-US" dirty="0" smtClean="0"/>
-              <a:t> </a:t>
-            </a:r>
-          </a:p>
-          <a:p>
-            <a:endParaRPr lang="en-US" dirty="0" smtClean="0"/>
-          </a:p>
-          <a:p>
-            <a:r>
-              <a:rPr lang="en-US" dirty="0" smtClean="0"/>
-              <a:t>Primary join between data was a cleaned version of film title + film year</a:t>
-            </a:r>
-          </a:p>
-          <a:p>
-            <a:pPr lvl="1"/>
-            <a:r>
-              <a:rPr lang="en-US" dirty="0" smtClean="0"/>
-              <a:t>Removed special characters</a:t>
-            </a:r>
-          </a:p>
-          <a:p>
-            <a:pPr lvl="1"/>
-            <a:r>
-              <a:rPr lang="en-US" dirty="0" smtClean="0"/>
-              <a:t>Removed spaces</a:t>
-            </a:r>
-          </a:p>
-          <a:p>
+              <a:t>They want to know what they need to do so to either: get big revenue and win the award</a:t>
+            </a:r>
             <a:endParaRPr lang="en-US" dirty="0"/>
-          </a:p>
-          <a:p>
-            <a:r>
-              <a:rPr lang="en-US" dirty="0" smtClean="0"/>
-              <a:t>Defined “major award” as in (‘Best Picture’, ‘Best Director’, ‘Best Actor’, ‘Best Actress’, and ‘Cinematography’</a:t>
-            </a:r>
           </a:p>
         </p:txBody>
       </p:sp>
     </p:spTree>
     <p:extLst>
       <p:ext uri="{BB962C8B-B14F-4D97-AF65-F5344CB8AC3E}">
-        <p14:creationId xmlns:p14="http://schemas.microsoft.com/office/powerpoint/2010/main" val="1296506099"/>
+        <p14:creationId xmlns:p14="http://schemas.microsoft.com/office/powerpoint/2010/main" val="2123768393"/>
       </p:ext>
     </p:extLst>
   </p:cSld>
   <p:clrMapOvr>
     <a:masterClrMapping/>
   </p:clrMapOvr>
-  <p:timing>
-    <p:tnLst>
-      <p:par>
-        <p:cTn id="1" dur="indefinite" restart="never" nodeType="tmRoot"/>
-      </p:par>
-    </p:tnLst>
-  </p:timing>
 </p:sld>
 </file>
 
@@ -3204,10 +3115,222 @@
           <a:lstStyle/>
           <a:p>
             <a:r>
+              <a:rPr lang="en-US" sz="2400" dirty="0" smtClean="0"/>
+              <a:t>Data sources	</a:t>
+            </a:r>
+            <a:endParaRPr lang="en-US" sz="2400" dirty="0"/>
+          </a:p>
+        </p:txBody>
+      </p:sp>
+      <p:sp>
+        <p:nvSpPr>
+          <p:cNvPr id="3" name="Content Placeholder 2"/>
+          <p:cNvSpPr>
+            <a:spLocks noGrp="1"/>
+          </p:cNvSpPr>
+          <p:nvPr>
+            <p:ph idx="1"/>
+          </p:nvPr>
+        </p:nvSpPr>
+        <p:spPr/>
+        <p:txBody>
+          <a:bodyPr/>
+          <a:lstStyle/>
+          <a:p>
+            <a:r>
               <a:rPr lang="en-US" dirty="0" smtClean="0"/>
-              <a:t>Data Exploration of award and finance data</a:t>
-            </a:r>
+              <a:t>Finance data</a:t>
+            </a:r>
+          </a:p>
+          <a:p>
+            <a:pPr lvl="1"/>
+            <a:r>
+              <a:rPr lang="en-US" dirty="0" smtClean="0"/>
+              <a:t>Scraped </a:t>
+            </a:r>
+            <a:r>
+              <a:rPr lang="en-US" dirty="0"/>
+              <a:t>data from boxofficemojo.com </a:t>
+            </a:r>
+            <a:endParaRPr lang="en-US" dirty="0" smtClean="0"/>
+          </a:p>
+          <a:p>
+            <a:pPr lvl="1"/>
+            <a:r>
+              <a:rPr lang="en-US" dirty="0" smtClean="0"/>
+              <a:t>Source:  Instructors</a:t>
+            </a:r>
+          </a:p>
+          <a:p>
+            <a:r>
+              <a:rPr lang="en-US" dirty="0" smtClean="0"/>
+              <a:t>Film criticism data</a:t>
+            </a:r>
+          </a:p>
+          <a:p>
+            <a:pPr lvl="1"/>
+            <a:r>
+              <a:rPr lang="en-US" dirty="0"/>
+              <a:t>S</a:t>
+            </a:r>
+            <a:r>
+              <a:rPr lang="en-US" dirty="0" smtClean="0"/>
+              <a:t>craped data from metacritic.com</a:t>
+            </a:r>
+          </a:p>
+          <a:p>
+            <a:pPr lvl="1"/>
+            <a:r>
+              <a:rPr lang="en-US" dirty="0"/>
+              <a:t>Source:  </a:t>
+            </a:r>
+            <a:r>
+              <a:rPr lang="en-US" dirty="0" smtClean="0"/>
+              <a:t>Instructors</a:t>
+            </a:r>
+          </a:p>
+          <a:p>
+            <a:r>
+              <a:rPr lang="en-US" dirty="0" smtClean="0"/>
+              <a:t>Film Award </a:t>
+            </a:r>
+            <a:r>
+              <a:rPr lang="en-US" dirty="0" smtClean="0"/>
+              <a:t>data (ADS data)</a:t>
+            </a:r>
+            <a:endParaRPr lang="en-US" dirty="0" smtClean="0"/>
+          </a:p>
+          <a:p>
+            <a:pPr lvl="1"/>
+            <a:r>
+              <a:rPr lang="en-US" dirty="0"/>
+              <a:t>D</a:t>
+            </a:r>
+            <a:r>
+              <a:rPr lang="en-US" dirty="0" smtClean="0"/>
+              <a:t>ownloaded .csv of Academy Award nominees and winners from 1928 – 2010</a:t>
+            </a:r>
+          </a:p>
+          <a:p>
+            <a:pPr lvl="1"/>
+            <a:r>
+              <a:rPr lang="en-US" dirty="0"/>
+              <a:t>Source: </a:t>
+            </a:r>
+            <a:r>
+              <a:rPr lang="en-US" dirty="0">
+                <a:hlinkClick r:id="rId2"/>
+              </a:rPr>
+              <a:t>https://</a:t>
+            </a:r>
+            <a:r>
+              <a:rPr lang="en-US" dirty="0" smtClean="0">
+                <a:hlinkClick r:id="rId2"/>
+              </a:rPr>
+              <a:t>www.aggdata.com/awards/oscar</a:t>
+            </a:r>
+            <a:r>
+              <a:rPr lang="en-US" dirty="0" smtClean="0"/>
+              <a:t> </a:t>
+            </a:r>
+          </a:p>
+          <a:p>
+            <a:endParaRPr lang="en-US" dirty="0" smtClean="0"/>
+          </a:p>
+          <a:p>
+            <a:r>
+              <a:rPr lang="en-US" dirty="0" smtClean="0"/>
+              <a:t>Primary join between data was a cleaned version of film title + film year</a:t>
+            </a:r>
+          </a:p>
+          <a:p>
+            <a:pPr lvl="1"/>
+            <a:r>
+              <a:rPr lang="en-US" dirty="0" smtClean="0"/>
+              <a:t>Removed special characters</a:t>
+            </a:r>
+          </a:p>
+          <a:p>
+            <a:pPr lvl="1"/>
+            <a:r>
+              <a:rPr lang="en-US" dirty="0" smtClean="0"/>
+              <a:t>Removed spaces</a:t>
+            </a:r>
+          </a:p>
+          <a:p>
             <a:endParaRPr lang="en-US" dirty="0"/>
+          </a:p>
+          <a:p>
+            <a:r>
+              <a:rPr lang="en-US" dirty="0" smtClean="0"/>
+              <a:t>Defined “major award” as in (‘Best Picture’, ‘Best Director’, ‘Best Actor’, ‘Best Actress’, and ‘Cinematography’</a:t>
+            </a:r>
+          </a:p>
+        </p:txBody>
+      </p:sp>
+    </p:spTree>
+    <p:extLst>
+      <p:ext uri="{BB962C8B-B14F-4D97-AF65-F5344CB8AC3E}">
+        <p14:creationId xmlns:p14="http://schemas.microsoft.com/office/powerpoint/2010/main" val="1296506099"/>
+      </p:ext>
+    </p:extLst>
+  </p:cSld>
+  <p:clrMapOvr>
+    <a:masterClrMapping/>
+  </p:clrMapOvr>
+  <p:timing>
+    <p:tnLst>
+      <p:par>
+        <p:cTn id="1" dur="indefinite" restart="never" nodeType="tmRoot"/>
+      </p:par>
+    </p:tnLst>
+  </p:timing>
+</p:sld>
+</file>
+
+<file path=ppt/slides/slide4.xml><?xml version="1.0" encoding="utf-8"?>
+<p:sld xmlns:a="http://schemas.openxmlformats.org/drawingml/2006/main" xmlns:r="http://schemas.openxmlformats.org/officeDocument/2006/relationships" xmlns:p="http://schemas.openxmlformats.org/presentationml/2006/main">
+  <p:cSld>
+    <p:spTree>
+      <p:nvGrpSpPr>
+        <p:cNvPr id="1" name=""/>
+        <p:cNvGrpSpPr/>
+        <p:nvPr/>
+      </p:nvGrpSpPr>
+      <p:grpSpPr>
+        <a:xfrm>
+          <a:off x="0" y="0"/>
+          <a:ext cx="0" cy="0"/>
+          <a:chOff x="0" y="0"/>
+          <a:chExt cx="0" cy="0"/>
+        </a:xfrm>
+      </p:grpSpPr>
+      <p:sp>
+        <p:nvSpPr>
+          <p:cNvPr id="2" name="Title 1"/>
+          <p:cNvSpPr>
+            <a:spLocks noGrp="1"/>
+          </p:cNvSpPr>
+          <p:nvPr>
+            <p:ph type="title"/>
+          </p:nvPr>
+        </p:nvSpPr>
+        <p:spPr/>
+        <p:txBody>
+          <a:bodyPr>
+            <a:noAutofit/>
+          </a:bodyPr>
+          <a:lstStyle/>
+          <a:p>
+            <a:r>
+              <a:rPr lang="en-US" sz="2400" dirty="0"/>
+              <a:t>We built a revenue </a:t>
+            </a:r>
+            <a:r>
+              <a:rPr lang="en-US" sz="2400" dirty="0" smtClean="0"/>
+              <a:t>model, which fits well with high R2</a:t>
+            </a:r>
+            <a:endParaRPr lang="en-US" sz="2400" dirty="0"/>
           </a:p>
         </p:txBody>
       </p:sp>
@@ -3221,14 +3344,2205 @@
             <p:ph idx="1"/>
             <p:extLst>
               <p:ext uri="{D42A27DB-BD31-4B8C-83A1-F6EECF244321}">
-                <p14:modId xmlns:p14="http://schemas.microsoft.com/office/powerpoint/2010/main" val="862788843"/>
+                <p14:modId xmlns:p14="http://schemas.microsoft.com/office/powerpoint/2010/main" val="437961473"/>
               </p:ext>
             </p:extLst>
           </p:nvPr>
         </p:nvGraphicFramePr>
         <p:xfrm>
-          <a:off x="304800" y="609601"/>
-          <a:ext cx="8534400" cy="6035039"/>
+          <a:off x="628650" y="1600199"/>
+          <a:ext cx="7829549" cy="3234695"/>
+        </p:xfrm>
+        <a:graphic>
+          <a:graphicData uri="http://schemas.openxmlformats.org/drawingml/2006/table">
+            <a:tbl>
+              <a:tblPr/>
+              <a:tblGrid>
+                <a:gridCol w="1921246"/>
+                <a:gridCol w="2011338"/>
+                <a:gridCol w="2489030"/>
+                <a:gridCol w="1407935"/>
+              </a:tblGrid>
+              <a:tr h="315581">
+                <a:tc gridSpan="4">
+                  <a:txBody>
+                    <a:bodyPr/>
+                    <a:lstStyle/>
+                    <a:p>
+                      <a:r>
+                        <a:rPr lang="en-US" sz="1100" dirty="0"/>
+                        <a:t>OLS Regression Results</a:t>
+                      </a:r>
+                    </a:p>
+                  </a:txBody>
+                  <a:tcPr marL="68580" marR="68580" marT="34290" marB="34290" anchor="ctr"/>
+                </a:tc>
+                <a:tc hMerge="1">
+                  <a:txBody>
+                    <a:bodyPr/>
+                    <a:lstStyle/>
+                    <a:p>
+                      <a:endParaRPr lang="en-US"/>
+                    </a:p>
+                  </a:txBody>
+                  <a:tcPr/>
+                </a:tc>
+                <a:tc hMerge="1">
+                  <a:txBody>
+                    <a:bodyPr/>
+                    <a:lstStyle/>
+                    <a:p>
+                      <a:endParaRPr lang="en-US"/>
+                    </a:p>
+                  </a:txBody>
+                  <a:tcPr/>
+                </a:tc>
+                <a:tc hMerge="1">
+                  <a:txBody>
+                    <a:bodyPr/>
+                    <a:lstStyle/>
+                    <a:p>
+                      <a:endParaRPr lang="en-US"/>
+                    </a:p>
+                  </a:txBody>
+                  <a:tcPr/>
+                </a:tc>
+              </a:tr>
+              <a:tr h="324346">
+                <a:tc>
+                  <a:txBody>
+                    <a:bodyPr/>
+                    <a:lstStyle/>
+                    <a:p>
+                      <a:pPr algn="l" fontAlgn="ctr"/>
+                      <a:r>
+                        <a:rPr lang="en-US" sz="1100" b="1" dirty="0">
+                          <a:effectLst/>
+                        </a:rPr>
+                        <a:t>Dep. Variable:</a:t>
+                      </a:r>
+                    </a:p>
+                  </a:txBody>
+                  <a:tcPr marL="38100" marR="38100" marT="38100" marB="38100" anchor="ctr">
+                    <a:lnL w="12700" cap="flat" cmpd="sng" algn="ctr">
+                      <a:solidFill>
+                        <a:srgbClr val="000000"/>
+                      </a:solidFill>
+                      <a:prstDash val="solid"/>
+                      <a:round/>
+                      <a:headEnd type="none" w="med" len="med"/>
+                      <a:tailEnd type="none" w="med" len="med"/>
+                    </a:lnL>
+                    <a:lnR w="12700" cap="flat" cmpd="sng" algn="ctr">
+                      <a:solidFill>
+                        <a:srgbClr val="000000"/>
+                      </a:solidFill>
+                      <a:prstDash val="solid"/>
+                      <a:round/>
+                      <a:headEnd type="none" w="med" len="med"/>
+                      <a:tailEnd type="none" w="med" len="med"/>
+                    </a:lnR>
+                    <a:lnB w="12700" cap="flat" cmpd="sng" algn="ctr">
+                      <a:solidFill>
+                        <a:srgbClr val="000000"/>
+                      </a:solidFill>
+                      <a:prstDash val="solid"/>
+                      <a:round/>
+                      <a:headEnd type="none" w="med" len="med"/>
+                      <a:tailEnd type="none" w="med" len="med"/>
+                    </a:lnB>
+                  </a:tcPr>
+                </a:tc>
+                <a:tc>
+                  <a:txBody>
+                    <a:bodyPr/>
+                    <a:lstStyle/>
+                    <a:p>
+                      <a:pPr algn="l" fontAlgn="ctr"/>
+                      <a:r>
+                        <a:rPr lang="en-US" sz="1100">
+                          <a:effectLst/>
+                        </a:rPr>
+                        <a:t>f_log_domestic</a:t>
+                      </a:r>
+                    </a:p>
+                  </a:txBody>
+                  <a:tcPr marL="38100" marR="38100" marT="38100" marB="38100" anchor="ctr">
+                    <a:lnL w="12700" cap="flat" cmpd="sng" algn="ctr">
+                      <a:solidFill>
+                        <a:srgbClr val="000000"/>
+                      </a:solidFill>
+                      <a:prstDash val="solid"/>
+                      <a:round/>
+                      <a:headEnd type="none" w="med" len="med"/>
+                      <a:tailEnd type="none" w="med" len="med"/>
+                    </a:lnL>
+                    <a:lnR w="12700" cap="flat" cmpd="sng" algn="ctr">
+                      <a:solidFill>
+                        <a:srgbClr val="000000"/>
+                      </a:solidFill>
+                      <a:prstDash val="solid"/>
+                      <a:round/>
+                      <a:headEnd type="none" w="med" len="med"/>
+                      <a:tailEnd type="none" w="med" len="med"/>
+                    </a:lnR>
+                    <a:lnT w="12700" cap="flat" cmpd="sng" algn="ctr">
+                      <a:solidFill>
+                        <a:srgbClr val="000000"/>
+                      </a:solidFill>
+                      <a:prstDash val="solid"/>
+                      <a:round/>
+                      <a:headEnd type="none" w="med" len="med"/>
+                      <a:tailEnd type="none" w="med" len="med"/>
+                    </a:lnT>
+                    <a:lnB w="12700" cap="flat" cmpd="sng" algn="ctr">
+                      <a:solidFill>
+                        <a:srgbClr val="000000"/>
+                      </a:solidFill>
+                      <a:prstDash val="solid"/>
+                      <a:round/>
+                      <a:headEnd type="none" w="med" len="med"/>
+                      <a:tailEnd type="none" w="med" len="med"/>
+                    </a:lnB>
+                  </a:tcPr>
+                </a:tc>
+                <a:tc>
+                  <a:txBody>
+                    <a:bodyPr/>
+                    <a:lstStyle/>
+                    <a:p>
+                      <a:pPr algn="l" fontAlgn="ctr"/>
+                      <a:r>
+                        <a:rPr lang="en-US" sz="1100" b="1">
+                          <a:effectLst/>
+                        </a:rPr>
+                        <a:t>R-squared:</a:t>
+                      </a:r>
+                    </a:p>
+                  </a:txBody>
+                  <a:tcPr marL="38100" marR="38100" marT="38100" marB="38100" anchor="ctr">
+                    <a:lnL w="12700" cap="flat" cmpd="sng" algn="ctr">
+                      <a:solidFill>
+                        <a:srgbClr val="000000"/>
+                      </a:solidFill>
+                      <a:prstDash val="solid"/>
+                      <a:round/>
+                      <a:headEnd type="none" w="med" len="med"/>
+                      <a:tailEnd type="none" w="med" len="med"/>
+                    </a:lnL>
+                    <a:lnR w="12700" cap="flat" cmpd="sng" algn="ctr">
+                      <a:solidFill>
+                        <a:srgbClr val="000000"/>
+                      </a:solidFill>
+                      <a:prstDash val="solid"/>
+                      <a:round/>
+                      <a:headEnd type="none" w="med" len="med"/>
+                      <a:tailEnd type="none" w="med" len="med"/>
+                    </a:lnR>
+                    <a:lnT w="12700" cap="flat" cmpd="sng" algn="ctr">
+                      <a:solidFill>
+                        <a:srgbClr val="000000"/>
+                      </a:solidFill>
+                      <a:prstDash val="solid"/>
+                      <a:round/>
+                      <a:headEnd type="none" w="med" len="med"/>
+                      <a:tailEnd type="none" w="med" len="med"/>
+                    </a:lnT>
+                    <a:lnB w="12700" cap="flat" cmpd="sng" algn="ctr">
+                      <a:solidFill>
+                        <a:srgbClr val="000000"/>
+                      </a:solidFill>
+                      <a:prstDash val="solid"/>
+                      <a:round/>
+                      <a:headEnd type="none" w="med" len="med"/>
+                      <a:tailEnd type="none" w="med" len="med"/>
+                    </a:lnB>
+                  </a:tcPr>
+                </a:tc>
+                <a:tc>
+                  <a:txBody>
+                    <a:bodyPr/>
+                    <a:lstStyle/>
+                    <a:p>
+                      <a:pPr algn="l" fontAlgn="ctr"/>
+                      <a:r>
+                        <a:rPr lang="nb-NO" sz="1100" dirty="0">
+                          <a:effectLst/>
+                        </a:rPr>
+                        <a:t>0.951</a:t>
+                      </a:r>
+                    </a:p>
+                  </a:txBody>
+                  <a:tcPr marL="38100" marR="38100" marT="38100" marB="38100" anchor="ctr">
+                    <a:lnL w="12700" cap="flat" cmpd="sng" algn="ctr">
+                      <a:solidFill>
+                        <a:srgbClr val="000000"/>
+                      </a:solidFill>
+                      <a:prstDash val="solid"/>
+                      <a:round/>
+                      <a:headEnd type="none" w="med" len="med"/>
+                      <a:tailEnd type="none" w="med" len="med"/>
+                    </a:lnL>
+                    <a:lnR w="12700" cap="flat" cmpd="sng" algn="ctr">
+                      <a:solidFill>
+                        <a:srgbClr val="000000"/>
+                      </a:solidFill>
+                      <a:prstDash val="solid"/>
+                      <a:round/>
+                      <a:headEnd type="none" w="med" len="med"/>
+                      <a:tailEnd type="none" w="med" len="med"/>
+                    </a:lnR>
+                    <a:lnT w="12700" cap="flat" cmpd="sng" algn="ctr">
+                      <a:solidFill>
+                        <a:srgbClr val="000000"/>
+                      </a:solidFill>
+                      <a:prstDash val="solid"/>
+                      <a:round/>
+                      <a:headEnd type="none" w="med" len="med"/>
+                      <a:tailEnd type="none" w="med" len="med"/>
+                    </a:lnT>
+                    <a:lnB w="12700" cap="flat" cmpd="sng" algn="ctr">
+                      <a:solidFill>
+                        <a:srgbClr val="000000"/>
+                      </a:solidFill>
+                      <a:prstDash val="solid"/>
+                      <a:round/>
+                      <a:headEnd type="none" w="med" len="med"/>
+                      <a:tailEnd type="none" w="med" len="med"/>
+                    </a:lnB>
+                  </a:tcPr>
+                </a:tc>
+              </a:tr>
+              <a:tr h="324346">
+                <a:tc>
+                  <a:txBody>
+                    <a:bodyPr/>
+                    <a:lstStyle/>
+                    <a:p>
+                      <a:pPr algn="l" fontAlgn="ctr"/>
+                      <a:r>
+                        <a:rPr lang="en-US" sz="1100" b="1">
+                          <a:effectLst/>
+                        </a:rPr>
+                        <a:t>Model:</a:t>
+                      </a:r>
+                    </a:p>
+                  </a:txBody>
+                  <a:tcPr marL="38100" marR="38100" marT="38100" marB="38100" anchor="ctr">
+                    <a:lnL w="12700" cap="flat" cmpd="sng" algn="ctr">
+                      <a:solidFill>
+                        <a:srgbClr val="000000"/>
+                      </a:solidFill>
+                      <a:prstDash val="solid"/>
+                      <a:round/>
+                      <a:headEnd type="none" w="med" len="med"/>
+                      <a:tailEnd type="none" w="med" len="med"/>
+                    </a:lnL>
+                    <a:lnR w="12700" cap="flat" cmpd="sng" algn="ctr">
+                      <a:solidFill>
+                        <a:srgbClr val="000000"/>
+                      </a:solidFill>
+                      <a:prstDash val="solid"/>
+                      <a:round/>
+                      <a:headEnd type="none" w="med" len="med"/>
+                      <a:tailEnd type="none" w="med" len="med"/>
+                    </a:lnR>
+                    <a:lnT w="12700" cap="flat" cmpd="sng" algn="ctr">
+                      <a:solidFill>
+                        <a:srgbClr val="000000"/>
+                      </a:solidFill>
+                      <a:prstDash val="solid"/>
+                      <a:round/>
+                      <a:headEnd type="none" w="med" len="med"/>
+                      <a:tailEnd type="none" w="med" len="med"/>
+                    </a:lnT>
+                    <a:lnB w="12700" cap="flat" cmpd="sng" algn="ctr">
+                      <a:solidFill>
+                        <a:srgbClr val="000000"/>
+                      </a:solidFill>
+                      <a:prstDash val="solid"/>
+                      <a:round/>
+                      <a:headEnd type="none" w="med" len="med"/>
+                      <a:tailEnd type="none" w="med" len="med"/>
+                    </a:lnB>
+                  </a:tcPr>
+                </a:tc>
+                <a:tc>
+                  <a:txBody>
+                    <a:bodyPr/>
+                    <a:lstStyle/>
+                    <a:p>
+                      <a:pPr algn="l" fontAlgn="ctr"/>
+                      <a:r>
+                        <a:rPr lang="en-US" sz="1100" dirty="0">
+                          <a:effectLst/>
+                        </a:rPr>
+                        <a:t>OLS</a:t>
+                      </a:r>
+                    </a:p>
+                  </a:txBody>
+                  <a:tcPr marL="38100" marR="38100" marT="38100" marB="38100" anchor="ctr">
+                    <a:lnL w="12700" cap="flat" cmpd="sng" algn="ctr">
+                      <a:solidFill>
+                        <a:srgbClr val="000000"/>
+                      </a:solidFill>
+                      <a:prstDash val="solid"/>
+                      <a:round/>
+                      <a:headEnd type="none" w="med" len="med"/>
+                      <a:tailEnd type="none" w="med" len="med"/>
+                    </a:lnL>
+                    <a:lnR w="12700" cap="flat" cmpd="sng" algn="ctr">
+                      <a:solidFill>
+                        <a:srgbClr val="000000"/>
+                      </a:solidFill>
+                      <a:prstDash val="solid"/>
+                      <a:round/>
+                      <a:headEnd type="none" w="med" len="med"/>
+                      <a:tailEnd type="none" w="med" len="med"/>
+                    </a:lnR>
+                    <a:lnT w="12700" cap="flat" cmpd="sng" algn="ctr">
+                      <a:solidFill>
+                        <a:srgbClr val="000000"/>
+                      </a:solidFill>
+                      <a:prstDash val="solid"/>
+                      <a:round/>
+                      <a:headEnd type="none" w="med" len="med"/>
+                      <a:tailEnd type="none" w="med" len="med"/>
+                    </a:lnT>
+                    <a:lnB w="12700" cap="flat" cmpd="sng" algn="ctr">
+                      <a:solidFill>
+                        <a:srgbClr val="000000"/>
+                      </a:solidFill>
+                      <a:prstDash val="solid"/>
+                      <a:round/>
+                      <a:headEnd type="none" w="med" len="med"/>
+                      <a:tailEnd type="none" w="med" len="med"/>
+                    </a:lnB>
+                  </a:tcPr>
+                </a:tc>
+                <a:tc>
+                  <a:txBody>
+                    <a:bodyPr/>
+                    <a:lstStyle/>
+                    <a:p>
+                      <a:pPr algn="l" fontAlgn="ctr"/>
+                      <a:r>
+                        <a:rPr lang="en-US" sz="1100" b="1">
+                          <a:effectLst/>
+                        </a:rPr>
+                        <a:t>Adj. R-squared:</a:t>
+                      </a:r>
+                    </a:p>
+                  </a:txBody>
+                  <a:tcPr marL="38100" marR="38100" marT="38100" marB="38100" anchor="ctr">
+                    <a:lnL w="12700" cap="flat" cmpd="sng" algn="ctr">
+                      <a:solidFill>
+                        <a:srgbClr val="000000"/>
+                      </a:solidFill>
+                      <a:prstDash val="solid"/>
+                      <a:round/>
+                      <a:headEnd type="none" w="med" len="med"/>
+                      <a:tailEnd type="none" w="med" len="med"/>
+                    </a:lnL>
+                    <a:lnR w="12700" cap="flat" cmpd="sng" algn="ctr">
+                      <a:solidFill>
+                        <a:srgbClr val="000000"/>
+                      </a:solidFill>
+                      <a:prstDash val="solid"/>
+                      <a:round/>
+                      <a:headEnd type="none" w="med" len="med"/>
+                      <a:tailEnd type="none" w="med" len="med"/>
+                    </a:lnR>
+                    <a:lnT w="12700" cap="flat" cmpd="sng" algn="ctr">
+                      <a:solidFill>
+                        <a:srgbClr val="000000"/>
+                      </a:solidFill>
+                      <a:prstDash val="solid"/>
+                      <a:round/>
+                      <a:headEnd type="none" w="med" len="med"/>
+                      <a:tailEnd type="none" w="med" len="med"/>
+                    </a:lnT>
+                    <a:lnB w="12700" cap="flat" cmpd="sng" algn="ctr">
+                      <a:solidFill>
+                        <a:srgbClr val="000000"/>
+                      </a:solidFill>
+                      <a:prstDash val="solid"/>
+                      <a:round/>
+                      <a:headEnd type="none" w="med" len="med"/>
+                      <a:tailEnd type="none" w="med" len="med"/>
+                    </a:lnB>
+                  </a:tcPr>
+                </a:tc>
+                <a:tc>
+                  <a:txBody>
+                    <a:bodyPr/>
+                    <a:lstStyle/>
+                    <a:p>
+                      <a:pPr algn="l" fontAlgn="ctr"/>
+                      <a:r>
+                        <a:rPr lang="nb-NO" sz="1100">
+                          <a:effectLst/>
+                        </a:rPr>
+                        <a:t>0.951</a:t>
+                      </a:r>
+                    </a:p>
+                  </a:txBody>
+                  <a:tcPr marL="38100" marR="38100" marT="38100" marB="38100" anchor="ctr">
+                    <a:lnL w="12700" cap="flat" cmpd="sng" algn="ctr">
+                      <a:solidFill>
+                        <a:srgbClr val="000000"/>
+                      </a:solidFill>
+                      <a:prstDash val="solid"/>
+                      <a:round/>
+                      <a:headEnd type="none" w="med" len="med"/>
+                      <a:tailEnd type="none" w="med" len="med"/>
+                    </a:lnL>
+                    <a:lnR w="12700" cap="flat" cmpd="sng" algn="ctr">
+                      <a:solidFill>
+                        <a:srgbClr val="000000"/>
+                      </a:solidFill>
+                      <a:prstDash val="solid"/>
+                      <a:round/>
+                      <a:headEnd type="none" w="med" len="med"/>
+                      <a:tailEnd type="none" w="med" len="med"/>
+                    </a:lnR>
+                    <a:lnT w="12700" cap="flat" cmpd="sng" algn="ctr">
+                      <a:solidFill>
+                        <a:srgbClr val="000000"/>
+                      </a:solidFill>
+                      <a:prstDash val="solid"/>
+                      <a:round/>
+                      <a:headEnd type="none" w="med" len="med"/>
+                      <a:tailEnd type="none" w="med" len="med"/>
+                    </a:lnT>
+                    <a:lnB w="12700" cap="flat" cmpd="sng" algn="ctr">
+                      <a:solidFill>
+                        <a:srgbClr val="000000"/>
+                      </a:solidFill>
+                      <a:prstDash val="solid"/>
+                      <a:round/>
+                      <a:headEnd type="none" w="med" len="med"/>
+                      <a:tailEnd type="none" w="med" len="med"/>
+                    </a:lnB>
+                  </a:tcPr>
+                </a:tc>
+              </a:tr>
+              <a:tr h="324346">
+                <a:tc>
+                  <a:txBody>
+                    <a:bodyPr/>
+                    <a:lstStyle/>
+                    <a:p>
+                      <a:pPr algn="l" fontAlgn="ctr"/>
+                      <a:r>
+                        <a:rPr lang="en-US" sz="1100" b="1">
+                          <a:effectLst/>
+                        </a:rPr>
+                        <a:t>Method:</a:t>
+                      </a:r>
+                    </a:p>
+                  </a:txBody>
+                  <a:tcPr marL="38100" marR="38100" marT="38100" marB="38100" anchor="ctr">
+                    <a:lnL w="12700" cap="flat" cmpd="sng" algn="ctr">
+                      <a:solidFill>
+                        <a:srgbClr val="000000"/>
+                      </a:solidFill>
+                      <a:prstDash val="solid"/>
+                      <a:round/>
+                      <a:headEnd type="none" w="med" len="med"/>
+                      <a:tailEnd type="none" w="med" len="med"/>
+                    </a:lnL>
+                    <a:lnR w="12700" cap="flat" cmpd="sng" algn="ctr">
+                      <a:solidFill>
+                        <a:srgbClr val="000000"/>
+                      </a:solidFill>
+                      <a:prstDash val="solid"/>
+                      <a:round/>
+                      <a:headEnd type="none" w="med" len="med"/>
+                      <a:tailEnd type="none" w="med" len="med"/>
+                    </a:lnR>
+                    <a:lnT w="12700" cap="flat" cmpd="sng" algn="ctr">
+                      <a:solidFill>
+                        <a:srgbClr val="000000"/>
+                      </a:solidFill>
+                      <a:prstDash val="solid"/>
+                      <a:round/>
+                      <a:headEnd type="none" w="med" len="med"/>
+                      <a:tailEnd type="none" w="med" len="med"/>
+                    </a:lnT>
+                    <a:lnB w="12700" cap="flat" cmpd="sng" algn="ctr">
+                      <a:solidFill>
+                        <a:srgbClr val="000000"/>
+                      </a:solidFill>
+                      <a:prstDash val="solid"/>
+                      <a:round/>
+                      <a:headEnd type="none" w="med" len="med"/>
+                      <a:tailEnd type="none" w="med" len="med"/>
+                    </a:lnB>
+                  </a:tcPr>
+                </a:tc>
+                <a:tc>
+                  <a:txBody>
+                    <a:bodyPr/>
+                    <a:lstStyle/>
+                    <a:p>
+                      <a:pPr algn="l" fontAlgn="ctr"/>
+                      <a:r>
+                        <a:rPr lang="en-US" sz="1100" dirty="0">
+                          <a:effectLst/>
+                        </a:rPr>
+                        <a:t>Least Squares</a:t>
+                      </a:r>
+                    </a:p>
+                  </a:txBody>
+                  <a:tcPr marL="38100" marR="38100" marT="38100" marB="38100" anchor="ctr">
+                    <a:lnL w="12700" cap="flat" cmpd="sng" algn="ctr">
+                      <a:solidFill>
+                        <a:srgbClr val="000000"/>
+                      </a:solidFill>
+                      <a:prstDash val="solid"/>
+                      <a:round/>
+                      <a:headEnd type="none" w="med" len="med"/>
+                      <a:tailEnd type="none" w="med" len="med"/>
+                    </a:lnL>
+                    <a:lnR w="12700" cap="flat" cmpd="sng" algn="ctr">
+                      <a:solidFill>
+                        <a:srgbClr val="000000"/>
+                      </a:solidFill>
+                      <a:prstDash val="solid"/>
+                      <a:round/>
+                      <a:headEnd type="none" w="med" len="med"/>
+                      <a:tailEnd type="none" w="med" len="med"/>
+                    </a:lnR>
+                    <a:lnT w="12700" cap="flat" cmpd="sng" algn="ctr">
+                      <a:solidFill>
+                        <a:srgbClr val="000000"/>
+                      </a:solidFill>
+                      <a:prstDash val="solid"/>
+                      <a:round/>
+                      <a:headEnd type="none" w="med" len="med"/>
+                      <a:tailEnd type="none" w="med" len="med"/>
+                    </a:lnT>
+                    <a:lnB w="12700" cap="flat" cmpd="sng" algn="ctr">
+                      <a:solidFill>
+                        <a:srgbClr val="000000"/>
+                      </a:solidFill>
+                      <a:prstDash val="solid"/>
+                      <a:round/>
+                      <a:headEnd type="none" w="med" len="med"/>
+                      <a:tailEnd type="none" w="med" len="med"/>
+                    </a:lnB>
+                  </a:tcPr>
+                </a:tc>
+                <a:tc>
+                  <a:txBody>
+                    <a:bodyPr/>
+                    <a:lstStyle/>
+                    <a:p>
+                      <a:pPr algn="l" fontAlgn="ctr"/>
+                      <a:r>
+                        <a:rPr lang="en-US" sz="1100" b="1">
+                          <a:effectLst/>
+                        </a:rPr>
+                        <a:t>F-statistic:</a:t>
+                      </a:r>
+                    </a:p>
+                  </a:txBody>
+                  <a:tcPr marL="38100" marR="38100" marT="38100" marB="38100" anchor="ctr">
+                    <a:lnL w="12700" cap="flat" cmpd="sng" algn="ctr">
+                      <a:solidFill>
+                        <a:srgbClr val="000000"/>
+                      </a:solidFill>
+                      <a:prstDash val="solid"/>
+                      <a:round/>
+                      <a:headEnd type="none" w="med" len="med"/>
+                      <a:tailEnd type="none" w="med" len="med"/>
+                    </a:lnL>
+                    <a:lnR w="12700" cap="flat" cmpd="sng" algn="ctr">
+                      <a:solidFill>
+                        <a:srgbClr val="000000"/>
+                      </a:solidFill>
+                      <a:prstDash val="solid"/>
+                      <a:round/>
+                      <a:headEnd type="none" w="med" len="med"/>
+                      <a:tailEnd type="none" w="med" len="med"/>
+                    </a:lnR>
+                    <a:lnT w="12700" cap="flat" cmpd="sng" algn="ctr">
+                      <a:solidFill>
+                        <a:srgbClr val="000000"/>
+                      </a:solidFill>
+                      <a:prstDash val="solid"/>
+                      <a:round/>
+                      <a:headEnd type="none" w="med" len="med"/>
+                      <a:tailEnd type="none" w="med" len="med"/>
+                    </a:lnT>
+                    <a:lnB w="12700" cap="flat" cmpd="sng" algn="ctr">
+                      <a:solidFill>
+                        <a:srgbClr val="000000"/>
+                      </a:solidFill>
+                      <a:prstDash val="solid"/>
+                      <a:round/>
+                      <a:headEnd type="none" w="med" len="med"/>
+                      <a:tailEnd type="none" w="med" len="med"/>
+                    </a:lnB>
+                  </a:tcPr>
+                </a:tc>
+                <a:tc>
+                  <a:txBody>
+                    <a:bodyPr/>
+                    <a:lstStyle/>
+                    <a:p>
+                      <a:pPr algn="l" fontAlgn="ctr"/>
+                      <a:r>
+                        <a:rPr lang="nb-NO" sz="1100">
+                          <a:effectLst/>
+                        </a:rPr>
+                        <a:t>1750.</a:t>
+                      </a:r>
+                    </a:p>
+                  </a:txBody>
+                  <a:tcPr marL="38100" marR="38100" marT="38100" marB="38100" anchor="ctr">
+                    <a:lnL w="12700" cap="flat" cmpd="sng" algn="ctr">
+                      <a:solidFill>
+                        <a:srgbClr val="000000"/>
+                      </a:solidFill>
+                      <a:prstDash val="solid"/>
+                      <a:round/>
+                      <a:headEnd type="none" w="med" len="med"/>
+                      <a:tailEnd type="none" w="med" len="med"/>
+                    </a:lnL>
+                    <a:lnR w="12700" cap="flat" cmpd="sng" algn="ctr">
+                      <a:solidFill>
+                        <a:srgbClr val="000000"/>
+                      </a:solidFill>
+                      <a:prstDash val="solid"/>
+                      <a:round/>
+                      <a:headEnd type="none" w="med" len="med"/>
+                      <a:tailEnd type="none" w="med" len="med"/>
+                    </a:lnR>
+                    <a:lnT w="12700" cap="flat" cmpd="sng" algn="ctr">
+                      <a:solidFill>
+                        <a:srgbClr val="000000"/>
+                      </a:solidFill>
+                      <a:prstDash val="solid"/>
+                      <a:round/>
+                      <a:headEnd type="none" w="med" len="med"/>
+                      <a:tailEnd type="none" w="med" len="med"/>
+                    </a:lnT>
+                    <a:lnB w="12700" cap="flat" cmpd="sng" algn="ctr">
+                      <a:solidFill>
+                        <a:srgbClr val="000000"/>
+                      </a:solidFill>
+                      <a:prstDash val="solid"/>
+                      <a:round/>
+                      <a:headEnd type="none" w="med" len="med"/>
+                      <a:tailEnd type="none" w="med" len="med"/>
+                    </a:lnB>
+                  </a:tcPr>
+                </a:tc>
+              </a:tr>
+              <a:tr h="324346">
+                <a:tc>
+                  <a:txBody>
+                    <a:bodyPr/>
+                    <a:lstStyle/>
+                    <a:p>
+                      <a:pPr algn="l" fontAlgn="ctr"/>
+                      <a:r>
+                        <a:rPr lang="en-US" sz="1100" b="1">
+                          <a:effectLst/>
+                        </a:rPr>
+                        <a:t>Date:</a:t>
+                      </a:r>
+                    </a:p>
+                  </a:txBody>
+                  <a:tcPr marL="38100" marR="38100" marT="38100" marB="38100" anchor="ctr">
+                    <a:lnL w="12700" cap="flat" cmpd="sng" algn="ctr">
+                      <a:solidFill>
+                        <a:srgbClr val="000000"/>
+                      </a:solidFill>
+                      <a:prstDash val="solid"/>
+                      <a:round/>
+                      <a:headEnd type="none" w="med" len="med"/>
+                      <a:tailEnd type="none" w="med" len="med"/>
+                    </a:lnL>
+                    <a:lnR w="12700" cap="flat" cmpd="sng" algn="ctr">
+                      <a:solidFill>
+                        <a:srgbClr val="000000"/>
+                      </a:solidFill>
+                      <a:prstDash val="solid"/>
+                      <a:round/>
+                      <a:headEnd type="none" w="med" len="med"/>
+                      <a:tailEnd type="none" w="med" len="med"/>
+                    </a:lnR>
+                    <a:lnT w="12700" cap="flat" cmpd="sng" algn="ctr">
+                      <a:solidFill>
+                        <a:srgbClr val="000000"/>
+                      </a:solidFill>
+                      <a:prstDash val="solid"/>
+                      <a:round/>
+                      <a:headEnd type="none" w="med" len="med"/>
+                      <a:tailEnd type="none" w="med" len="med"/>
+                    </a:lnT>
+                    <a:lnB w="12700" cap="flat" cmpd="sng" algn="ctr">
+                      <a:solidFill>
+                        <a:srgbClr val="000000"/>
+                      </a:solidFill>
+                      <a:prstDash val="solid"/>
+                      <a:round/>
+                      <a:headEnd type="none" w="med" len="med"/>
+                      <a:tailEnd type="none" w="med" len="med"/>
+                    </a:lnB>
+                  </a:tcPr>
+                </a:tc>
+                <a:tc>
+                  <a:txBody>
+                    <a:bodyPr/>
+                    <a:lstStyle/>
+                    <a:p>
+                      <a:pPr algn="l" fontAlgn="ctr"/>
+                      <a:r>
+                        <a:rPr lang="is-IS" sz="1100" dirty="0">
+                          <a:effectLst/>
+                        </a:rPr>
+                        <a:t>Fri, 15 Apr 2016</a:t>
+                      </a:r>
+                    </a:p>
+                  </a:txBody>
+                  <a:tcPr marL="38100" marR="38100" marT="38100" marB="38100" anchor="ctr">
+                    <a:lnL w="12700" cap="flat" cmpd="sng" algn="ctr">
+                      <a:solidFill>
+                        <a:srgbClr val="000000"/>
+                      </a:solidFill>
+                      <a:prstDash val="solid"/>
+                      <a:round/>
+                      <a:headEnd type="none" w="med" len="med"/>
+                      <a:tailEnd type="none" w="med" len="med"/>
+                    </a:lnL>
+                    <a:lnR w="12700" cap="flat" cmpd="sng" algn="ctr">
+                      <a:solidFill>
+                        <a:srgbClr val="000000"/>
+                      </a:solidFill>
+                      <a:prstDash val="solid"/>
+                      <a:round/>
+                      <a:headEnd type="none" w="med" len="med"/>
+                      <a:tailEnd type="none" w="med" len="med"/>
+                    </a:lnR>
+                    <a:lnT w="12700" cap="flat" cmpd="sng" algn="ctr">
+                      <a:solidFill>
+                        <a:srgbClr val="000000"/>
+                      </a:solidFill>
+                      <a:prstDash val="solid"/>
+                      <a:round/>
+                      <a:headEnd type="none" w="med" len="med"/>
+                      <a:tailEnd type="none" w="med" len="med"/>
+                    </a:lnT>
+                    <a:lnB w="12700" cap="flat" cmpd="sng" algn="ctr">
+                      <a:solidFill>
+                        <a:srgbClr val="000000"/>
+                      </a:solidFill>
+                      <a:prstDash val="solid"/>
+                      <a:round/>
+                      <a:headEnd type="none" w="med" len="med"/>
+                      <a:tailEnd type="none" w="med" len="med"/>
+                    </a:lnB>
+                  </a:tcPr>
+                </a:tc>
+                <a:tc>
+                  <a:txBody>
+                    <a:bodyPr/>
+                    <a:lstStyle/>
+                    <a:p>
+                      <a:pPr algn="l" fontAlgn="ctr"/>
+                      <a:r>
+                        <a:rPr lang="en-US" sz="1100" b="1">
+                          <a:effectLst/>
+                        </a:rPr>
+                        <a:t>Prob (F-statistic):</a:t>
+                      </a:r>
+                    </a:p>
+                  </a:txBody>
+                  <a:tcPr marL="38100" marR="38100" marT="38100" marB="38100" anchor="ctr">
+                    <a:lnL w="12700" cap="flat" cmpd="sng" algn="ctr">
+                      <a:solidFill>
+                        <a:srgbClr val="000000"/>
+                      </a:solidFill>
+                      <a:prstDash val="solid"/>
+                      <a:round/>
+                      <a:headEnd type="none" w="med" len="med"/>
+                      <a:tailEnd type="none" w="med" len="med"/>
+                    </a:lnL>
+                    <a:lnR w="12700" cap="flat" cmpd="sng" algn="ctr">
+                      <a:solidFill>
+                        <a:srgbClr val="000000"/>
+                      </a:solidFill>
+                      <a:prstDash val="solid"/>
+                      <a:round/>
+                      <a:headEnd type="none" w="med" len="med"/>
+                      <a:tailEnd type="none" w="med" len="med"/>
+                    </a:lnR>
+                    <a:lnT w="12700" cap="flat" cmpd="sng" algn="ctr">
+                      <a:solidFill>
+                        <a:srgbClr val="000000"/>
+                      </a:solidFill>
+                      <a:prstDash val="solid"/>
+                      <a:round/>
+                      <a:headEnd type="none" w="med" len="med"/>
+                      <a:tailEnd type="none" w="med" len="med"/>
+                    </a:lnT>
+                    <a:lnB w="12700" cap="flat" cmpd="sng" algn="ctr">
+                      <a:solidFill>
+                        <a:srgbClr val="000000"/>
+                      </a:solidFill>
+                      <a:prstDash val="solid"/>
+                      <a:round/>
+                      <a:headEnd type="none" w="med" len="med"/>
+                      <a:tailEnd type="none" w="med" len="med"/>
+                    </a:lnB>
+                  </a:tcPr>
+                </a:tc>
+                <a:tc>
+                  <a:txBody>
+                    <a:bodyPr/>
+                    <a:lstStyle/>
+                    <a:p>
+                      <a:pPr algn="l" fontAlgn="ctr"/>
+                      <a:r>
+                        <a:rPr lang="nb-NO" sz="1100">
+                          <a:effectLst/>
+                        </a:rPr>
+                        <a:t>0.00</a:t>
+                      </a:r>
+                    </a:p>
+                  </a:txBody>
+                  <a:tcPr marL="38100" marR="38100" marT="38100" marB="38100" anchor="ctr">
+                    <a:lnL w="12700" cap="flat" cmpd="sng" algn="ctr">
+                      <a:solidFill>
+                        <a:srgbClr val="000000"/>
+                      </a:solidFill>
+                      <a:prstDash val="solid"/>
+                      <a:round/>
+                      <a:headEnd type="none" w="med" len="med"/>
+                      <a:tailEnd type="none" w="med" len="med"/>
+                    </a:lnL>
+                    <a:lnR w="12700" cap="flat" cmpd="sng" algn="ctr">
+                      <a:solidFill>
+                        <a:srgbClr val="000000"/>
+                      </a:solidFill>
+                      <a:prstDash val="solid"/>
+                      <a:round/>
+                      <a:headEnd type="none" w="med" len="med"/>
+                      <a:tailEnd type="none" w="med" len="med"/>
+                    </a:lnR>
+                    <a:lnT w="12700" cap="flat" cmpd="sng" algn="ctr">
+                      <a:solidFill>
+                        <a:srgbClr val="000000"/>
+                      </a:solidFill>
+                      <a:prstDash val="solid"/>
+                      <a:round/>
+                      <a:headEnd type="none" w="med" len="med"/>
+                      <a:tailEnd type="none" w="med" len="med"/>
+                    </a:lnT>
+                    <a:lnB w="12700" cap="flat" cmpd="sng" algn="ctr">
+                      <a:solidFill>
+                        <a:srgbClr val="000000"/>
+                      </a:solidFill>
+                      <a:prstDash val="solid"/>
+                      <a:round/>
+                      <a:headEnd type="none" w="med" len="med"/>
+                      <a:tailEnd type="none" w="med" len="med"/>
+                    </a:lnB>
+                  </a:tcPr>
+                </a:tc>
+              </a:tr>
+              <a:tr h="324346">
+                <a:tc>
+                  <a:txBody>
+                    <a:bodyPr/>
+                    <a:lstStyle/>
+                    <a:p>
+                      <a:pPr algn="l" fontAlgn="ctr"/>
+                      <a:r>
+                        <a:rPr lang="en-US" sz="1100" b="1">
+                          <a:effectLst/>
+                        </a:rPr>
+                        <a:t>Time:</a:t>
+                      </a:r>
+                    </a:p>
+                  </a:txBody>
+                  <a:tcPr marL="38100" marR="38100" marT="38100" marB="38100" anchor="ctr">
+                    <a:lnL w="12700" cap="flat" cmpd="sng" algn="ctr">
+                      <a:solidFill>
+                        <a:srgbClr val="000000"/>
+                      </a:solidFill>
+                      <a:prstDash val="solid"/>
+                      <a:round/>
+                      <a:headEnd type="none" w="med" len="med"/>
+                      <a:tailEnd type="none" w="med" len="med"/>
+                    </a:lnL>
+                    <a:lnR w="12700" cap="flat" cmpd="sng" algn="ctr">
+                      <a:solidFill>
+                        <a:srgbClr val="000000"/>
+                      </a:solidFill>
+                      <a:prstDash val="solid"/>
+                      <a:round/>
+                      <a:headEnd type="none" w="med" len="med"/>
+                      <a:tailEnd type="none" w="med" len="med"/>
+                    </a:lnR>
+                    <a:lnT w="12700" cap="flat" cmpd="sng" algn="ctr">
+                      <a:solidFill>
+                        <a:srgbClr val="000000"/>
+                      </a:solidFill>
+                      <a:prstDash val="solid"/>
+                      <a:round/>
+                      <a:headEnd type="none" w="med" len="med"/>
+                      <a:tailEnd type="none" w="med" len="med"/>
+                    </a:lnT>
+                    <a:lnB w="12700" cap="flat" cmpd="sng" algn="ctr">
+                      <a:solidFill>
+                        <a:srgbClr val="000000"/>
+                      </a:solidFill>
+                      <a:prstDash val="solid"/>
+                      <a:round/>
+                      <a:headEnd type="none" w="med" len="med"/>
+                      <a:tailEnd type="none" w="med" len="med"/>
+                    </a:lnB>
+                  </a:tcPr>
+                </a:tc>
+                <a:tc>
+                  <a:txBody>
+                    <a:bodyPr/>
+                    <a:lstStyle/>
+                    <a:p>
+                      <a:pPr algn="l" fontAlgn="ctr"/>
+                      <a:r>
+                        <a:rPr lang="is-IS" sz="1100" dirty="0">
+                          <a:effectLst/>
+                        </a:rPr>
+                        <a:t>10:01:32</a:t>
+                      </a:r>
+                    </a:p>
+                  </a:txBody>
+                  <a:tcPr marL="38100" marR="38100" marT="38100" marB="38100" anchor="ctr">
+                    <a:lnL w="12700" cap="flat" cmpd="sng" algn="ctr">
+                      <a:solidFill>
+                        <a:srgbClr val="000000"/>
+                      </a:solidFill>
+                      <a:prstDash val="solid"/>
+                      <a:round/>
+                      <a:headEnd type="none" w="med" len="med"/>
+                      <a:tailEnd type="none" w="med" len="med"/>
+                    </a:lnL>
+                    <a:lnR w="12700" cap="flat" cmpd="sng" algn="ctr">
+                      <a:solidFill>
+                        <a:srgbClr val="000000"/>
+                      </a:solidFill>
+                      <a:prstDash val="solid"/>
+                      <a:round/>
+                      <a:headEnd type="none" w="med" len="med"/>
+                      <a:tailEnd type="none" w="med" len="med"/>
+                    </a:lnR>
+                    <a:lnT w="12700" cap="flat" cmpd="sng" algn="ctr">
+                      <a:solidFill>
+                        <a:srgbClr val="000000"/>
+                      </a:solidFill>
+                      <a:prstDash val="solid"/>
+                      <a:round/>
+                      <a:headEnd type="none" w="med" len="med"/>
+                      <a:tailEnd type="none" w="med" len="med"/>
+                    </a:lnT>
+                    <a:lnB w="12700" cap="flat" cmpd="sng" algn="ctr">
+                      <a:solidFill>
+                        <a:srgbClr val="000000"/>
+                      </a:solidFill>
+                      <a:prstDash val="solid"/>
+                      <a:round/>
+                      <a:headEnd type="none" w="med" len="med"/>
+                      <a:tailEnd type="none" w="med" len="med"/>
+                    </a:lnB>
+                  </a:tcPr>
+                </a:tc>
+                <a:tc>
+                  <a:txBody>
+                    <a:bodyPr/>
+                    <a:lstStyle/>
+                    <a:p>
+                      <a:pPr algn="l" fontAlgn="ctr"/>
+                      <a:r>
+                        <a:rPr lang="en-US" sz="1100" b="1">
+                          <a:effectLst/>
+                        </a:rPr>
+                        <a:t>Log-Likelihood:</a:t>
+                      </a:r>
+                    </a:p>
+                  </a:txBody>
+                  <a:tcPr marL="38100" marR="38100" marT="38100" marB="38100" anchor="ctr">
+                    <a:lnL w="12700" cap="flat" cmpd="sng" algn="ctr">
+                      <a:solidFill>
+                        <a:srgbClr val="000000"/>
+                      </a:solidFill>
+                      <a:prstDash val="solid"/>
+                      <a:round/>
+                      <a:headEnd type="none" w="med" len="med"/>
+                      <a:tailEnd type="none" w="med" len="med"/>
+                    </a:lnL>
+                    <a:lnR w="12700" cap="flat" cmpd="sng" algn="ctr">
+                      <a:solidFill>
+                        <a:srgbClr val="000000"/>
+                      </a:solidFill>
+                      <a:prstDash val="solid"/>
+                      <a:round/>
+                      <a:headEnd type="none" w="med" len="med"/>
+                      <a:tailEnd type="none" w="med" len="med"/>
+                    </a:lnR>
+                    <a:lnT w="12700" cap="flat" cmpd="sng" algn="ctr">
+                      <a:solidFill>
+                        <a:srgbClr val="000000"/>
+                      </a:solidFill>
+                      <a:prstDash val="solid"/>
+                      <a:round/>
+                      <a:headEnd type="none" w="med" len="med"/>
+                      <a:tailEnd type="none" w="med" len="med"/>
+                    </a:lnT>
+                    <a:lnB w="12700" cap="flat" cmpd="sng" algn="ctr">
+                      <a:solidFill>
+                        <a:srgbClr val="000000"/>
+                      </a:solidFill>
+                      <a:prstDash val="solid"/>
+                      <a:round/>
+                      <a:headEnd type="none" w="med" len="med"/>
+                      <a:tailEnd type="none" w="med" len="med"/>
+                    </a:lnB>
+                  </a:tcPr>
+                </a:tc>
+                <a:tc>
+                  <a:txBody>
+                    <a:bodyPr/>
+                    <a:lstStyle/>
+                    <a:p>
+                      <a:pPr algn="l" fontAlgn="ctr"/>
+                      <a:r>
+                        <a:rPr lang="cs-CZ" sz="1100" dirty="0">
+                          <a:effectLst/>
+                        </a:rPr>
+                        <a:t>-1409.7</a:t>
+                      </a:r>
+                    </a:p>
+                  </a:txBody>
+                  <a:tcPr marL="38100" marR="38100" marT="38100" marB="38100" anchor="ctr">
+                    <a:lnL w="12700" cap="flat" cmpd="sng" algn="ctr">
+                      <a:solidFill>
+                        <a:srgbClr val="000000"/>
+                      </a:solidFill>
+                      <a:prstDash val="solid"/>
+                      <a:round/>
+                      <a:headEnd type="none" w="med" len="med"/>
+                      <a:tailEnd type="none" w="med" len="med"/>
+                    </a:lnL>
+                    <a:lnR w="12700" cap="flat" cmpd="sng" algn="ctr">
+                      <a:solidFill>
+                        <a:srgbClr val="000000"/>
+                      </a:solidFill>
+                      <a:prstDash val="solid"/>
+                      <a:round/>
+                      <a:headEnd type="none" w="med" len="med"/>
+                      <a:tailEnd type="none" w="med" len="med"/>
+                    </a:lnR>
+                    <a:lnT w="12700" cap="flat" cmpd="sng" algn="ctr">
+                      <a:solidFill>
+                        <a:srgbClr val="000000"/>
+                      </a:solidFill>
+                      <a:prstDash val="solid"/>
+                      <a:round/>
+                      <a:headEnd type="none" w="med" len="med"/>
+                      <a:tailEnd type="none" w="med" len="med"/>
+                    </a:lnT>
+                    <a:lnB w="12700" cap="flat" cmpd="sng" algn="ctr">
+                      <a:solidFill>
+                        <a:srgbClr val="000000"/>
+                      </a:solidFill>
+                      <a:prstDash val="solid"/>
+                      <a:round/>
+                      <a:headEnd type="none" w="med" len="med"/>
+                      <a:tailEnd type="none" w="med" len="med"/>
+                    </a:lnB>
+                  </a:tcPr>
+                </a:tc>
+              </a:tr>
+              <a:tr h="324346">
+                <a:tc>
+                  <a:txBody>
+                    <a:bodyPr/>
+                    <a:lstStyle/>
+                    <a:p>
+                      <a:pPr algn="l" fontAlgn="ctr"/>
+                      <a:r>
+                        <a:rPr lang="en-US" sz="1100" b="1">
+                          <a:effectLst/>
+                        </a:rPr>
+                        <a:t>No. Observations:</a:t>
+                      </a:r>
+                    </a:p>
+                  </a:txBody>
+                  <a:tcPr marL="38100" marR="38100" marT="38100" marB="38100" anchor="ctr">
+                    <a:lnL w="12700" cap="flat" cmpd="sng" algn="ctr">
+                      <a:solidFill>
+                        <a:srgbClr val="000000"/>
+                      </a:solidFill>
+                      <a:prstDash val="solid"/>
+                      <a:round/>
+                      <a:headEnd type="none" w="med" len="med"/>
+                      <a:tailEnd type="none" w="med" len="med"/>
+                    </a:lnL>
+                    <a:lnR w="12700" cap="flat" cmpd="sng" algn="ctr">
+                      <a:solidFill>
+                        <a:srgbClr val="000000"/>
+                      </a:solidFill>
+                      <a:prstDash val="solid"/>
+                      <a:round/>
+                      <a:headEnd type="none" w="med" len="med"/>
+                      <a:tailEnd type="none" w="med" len="med"/>
+                    </a:lnR>
+                    <a:lnT w="12700" cap="flat" cmpd="sng" algn="ctr">
+                      <a:solidFill>
+                        <a:srgbClr val="000000"/>
+                      </a:solidFill>
+                      <a:prstDash val="solid"/>
+                      <a:round/>
+                      <a:headEnd type="none" w="med" len="med"/>
+                      <a:tailEnd type="none" w="med" len="med"/>
+                    </a:lnT>
+                    <a:lnB w="12700" cap="flat" cmpd="sng" algn="ctr">
+                      <a:solidFill>
+                        <a:srgbClr val="000000"/>
+                      </a:solidFill>
+                      <a:prstDash val="solid"/>
+                      <a:round/>
+                      <a:headEnd type="none" w="med" len="med"/>
+                      <a:tailEnd type="none" w="med" len="med"/>
+                    </a:lnB>
+                  </a:tcPr>
+                </a:tc>
+                <a:tc>
+                  <a:txBody>
+                    <a:bodyPr/>
+                    <a:lstStyle/>
+                    <a:p>
+                      <a:pPr algn="l" fontAlgn="ctr"/>
+                      <a:r>
+                        <a:rPr lang="cs-CZ" sz="1100" dirty="0">
+                          <a:effectLst/>
+                        </a:rPr>
+                        <a:t>1449</a:t>
+                      </a:r>
+                    </a:p>
+                  </a:txBody>
+                  <a:tcPr marL="38100" marR="38100" marT="38100" marB="38100" anchor="ctr">
+                    <a:lnL w="12700" cap="flat" cmpd="sng" algn="ctr">
+                      <a:solidFill>
+                        <a:srgbClr val="000000"/>
+                      </a:solidFill>
+                      <a:prstDash val="solid"/>
+                      <a:round/>
+                      <a:headEnd type="none" w="med" len="med"/>
+                      <a:tailEnd type="none" w="med" len="med"/>
+                    </a:lnL>
+                    <a:lnR w="12700" cap="flat" cmpd="sng" algn="ctr">
+                      <a:solidFill>
+                        <a:srgbClr val="000000"/>
+                      </a:solidFill>
+                      <a:prstDash val="solid"/>
+                      <a:round/>
+                      <a:headEnd type="none" w="med" len="med"/>
+                      <a:tailEnd type="none" w="med" len="med"/>
+                    </a:lnR>
+                    <a:lnT w="12700" cap="flat" cmpd="sng" algn="ctr">
+                      <a:solidFill>
+                        <a:srgbClr val="000000"/>
+                      </a:solidFill>
+                      <a:prstDash val="solid"/>
+                      <a:round/>
+                      <a:headEnd type="none" w="med" len="med"/>
+                      <a:tailEnd type="none" w="med" len="med"/>
+                    </a:lnT>
+                    <a:lnB w="12700" cap="flat" cmpd="sng" algn="ctr">
+                      <a:solidFill>
+                        <a:srgbClr val="000000"/>
+                      </a:solidFill>
+                      <a:prstDash val="solid"/>
+                      <a:round/>
+                      <a:headEnd type="none" w="med" len="med"/>
+                      <a:tailEnd type="none" w="med" len="med"/>
+                    </a:lnB>
+                  </a:tcPr>
+                </a:tc>
+                <a:tc>
+                  <a:txBody>
+                    <a:bodyPr/>
+                    <a:lstStyle/>
+                    <a:p>
+                      <a:pPr algn="l" fontAlgn="ctr"/>
+                      <a:r>
+                        <a:rPr lang="en-US" sz="1100" b="1">
+                          <a:effectLst/>
+                        </a:rPr>
+                        <a:t>AIC:</a:t>
+                      </a:r>
+                    </a:p>
+                  </a:txBody>
+                  <a:tcPr marL="38100" marR="38100" marT="38100" marB="38100" anchor="ctr">
+                    <a:lnL w="12700" cap="flat" cmpd="sng" algn="ctr">
+                      <a:solidFill>
+                        <a:srgbClr val="000000"/>
+                      </a:solidFill>
+                      <a:prstDash val="solid"/>
+                      <a:round/>
+                      <a:headEnd type="none" w="med" len="med"/>
+                      <a:tailEnd type="none" w="med" len="med"/>
+                    </a:lnL>
+                    <a:lnR w="12700" cap="flat" cmpd="sng" algn="ctr">
+                      <a:solidFill>
+                        <a:srgbClr val="000000"/>
+                      </a:solidFill>
+                      <a:prstDash val="solid"/>
+                      <a:round/>
+                      <a:headEnd type="none" w="med" len="med"/>
+                      <a:tailEnd type="none" w="med" len="med"/>
+                    </a:lnR>
+                    <a:lnT w="12700" cap="flat" cmpd="sng" algn="ctr">
+                      <a:solidFill>
+                        <a:srgbClr val="000000"/>
+                      </a:solidFill>
+                      <a:prstDash val="solid"/>
+                      <a:round/>
+                      <a:headEnd type="none" w="med" len="med"/>
+                      <a:tailEnd type="none" w="med" len="med"/>
+                    </a:lnT>
+                    <a:lnB w="12700" cap="flat" cmpd="sng" algn="ctr">
+                      <a:solidFill>
+                        <a:srgbClr val="000000"/>
+                      </a:solidFill>
+                      <a:prstDash val="solid"/>
+                      <a:round/>
+                      <a:headEnd type="none" w="med" len="med"/>
+                      <a:tailEnd type="none" w="med" len="med"/>
+                    </a:lnB>
+                  </a:tcPr>
+                </a:tc>
+                <a:tc>
+                  <a:txBody>
+                    <a:bodyPr/>
+                    <a:lstStyle/>
+                    <a:p>
+                      <a:pPr algn="l" fontAlgn="ctr"/>
+                      <a:r>
+                        <a:rPr lang="is-IS" sz="1100">
+                          <a:effectLst/>
+                        </a:rPr>
+                        <a:t>2853.</a:t>
+                      </a:r>
+                    </a:p>
+                  </a:txBody>
+                  <a:tcPr marL="38100" marR="38100" marT="38100" marB="38100" anchor="ctr">
+                    <a:lnL w="12700" cap="flat" cmpd="sng" algn="ctr">
+                      <a:solidFill>
+                        <a:srgbClr val="000000"/>
+                      </a:solidFill>
+                      <a:prstDash val="solid"/>
+                      <a:round/>
+                      <a:headEnd type="none" w="med" len="med"/>
+                      <a:tailEnd type="none" w="med" len="med"/>
+                    </a:lnL>
+                    <a:lnR w="12700" cap="flat" cmpd="sng" algn="ctr">
+                      <a:solidFill>
+                        <a:srgbClr val="000000"/>
+                      </a:solidFill>
+                      <a:prstDash val="solid"/>
+                      <a:round/>
+                      <a:headEnd type="none" w="med" len="med"/>
+                      <a:tailEnd type="none" w="med" len="med"/>
+                    </a:lnR>
+                    <a:lnT w="12700" cap="flat" cmpd="sng" algn="ctr">
+                      <a:solidFill>
+                        <a:srgbClr val="000000"/>
+                      </a:solidFill>
+                      <a:prstDash val="solid"/>
+                      <a:round/>
+                      <a:headEnd type="none" w="med" len="med"/>
+                      <a:tailEnd type="none" w="med" len="med"/>
+                    </a:lnT>
+                    <a:lnB w="12700" cap="flat" cmpd="sng" algn="ctr">
+                      <a:solidFill>
+                        <a:srgbClr val="000000"/>
+                      </a:solidFill>
+                      <a:prstDash val="solid"/>
+                      <a:round/>
+                      <a:headEnd type="none" w="med" len="med"/>
+                      <a:tailEnd type="none" w="med" len="med"/>
+                    </a:lnB>
+                  </a:tcPr>
+                </a:tc>
+              </a:tr>
+              <a:tr h="324346">
+                <a:tc>
+                  <a:txBody>
+                    <a:bodyPr/>
+                    <a:lstStyle/>
+                    <a:p>
+                      <a:pPr algn="l" fontAlgn="ctr"/>
+                      <a:r>
+                        <a:rPr lang="en-US" sz="1100" b="1">
+                          <a:effectLst/>
+                        </a:rPr>
+                        <a:t>Df Residuals:</a:t>
+                      </a:r>
+                    </a:p>
+                  </a:txBody>
+                  <a:tcPr marL="38100" marR="38100" marT="38100" marB="38100" anchor="ctr">
+                    <a:lnL w="12700" cap="flat" cmpd="sng" algn="ctr">
+                      <a:solidFill>
+                        <a:srgbClr val="000000"/>
+                      </a:solidFill>
+                      <a:prstDash val="solid"/>
+                      <a:round/>
+                      <a:headEnd type="none" w="med" len="med"/>
+                      <a:tailEnd type="none" w="med" len="med"/>
+                    </a:lnL>
+                    <a:lnR w="12700" cap="flat" cmpd="sng" algn="ctr">
+                      <a:solidFill>
+                        <a:srgbClr val="000000"/>
+                      </a:solidFill>
+                      <a:prstDash val="solid"/>
+                      <a:round/>
+                      <a:headEnd type="none" w="med" len="med"/>
+                      <a:tailEnd type="none" w="med" len="med"/>
+                    </a:lnR>
+                    <a:lnT w="12700" cap="flat" cmpd="sng" algn="ctr">
+                      <a:solidFill>
+                        <a:srgbClr val="000000"/>
+                      </a:solidFill>
+                      <a:prstDash val="solid"/>
+                      <a:round/>
+                      <a:headEnd type="none" w="med" len="med"/>
+                      <a:tailEnd type="none" w="med" len="med"/>
+                    </a:lnT>
+                    <a:lnB w="12700" cap="flat" cmpd="sng" algn="ctr">
+                      <a:solidFill>
+                        <a:srgbClr val="000000"/>
+                      </a:solidFill>
+                      <a:prstDash val="solid"/>
+                      <a:round/>
+                      <a:headEnd type="none" w="med" len="med"/>
+                      <a:tailEnd type="none" w="med" len="med"/>
+                    </a:lnB>
+                  </a:tcPr>
+                </a:tc>
+                <a:tc>
+                  <a:txBody>
+                    <a:bodyPr/>
+                    <a:lstStyle/>
+                    <a:p>
+                      <a:pPr algn="l" fontAlgn="ctr"/>
+                      <a:r>
+                        <a:rPr lang="is-IS" sz="1100">
+                          <a:effectLst/>
+                        </a:rPr>
+                        <a:t>1432</a:t>
+                      </a:r>
+                    </a:p>
+                  </a:txBody>
+                  <a:tcPr marL="38100" marR="38100" marT="38100" marB="38100" anchor="ctr">
+                    <a:lnL w="12700" cap="flat" cmpd="sng" algn="ctr">
+                      <a:solidFill>
+                        <a:srgbClr val="000000"/>
+                      </a:solidFill>
+                      <a:prstDash val="solid"/>
+                      <a:round/>
+                      <a:headEnd type="none" w="med" len="med"/>
+                      <a:tailEnd type="none" w="med" len="med"/>
+                    </a:lnL>
+                    <a:lnR w="12700" cap="flat" cmpd="sng" algn="ctr">
+                      <a:solidFill>
+                        <a:srgbClr val="000000"/>
+                      </a:solidFill>
+                      <a:prstDash val="solid"/>
+                      <a:round/>
+                      <a:headEnd type="none" w="med" len="med"/>
+                      <a:tailEnd type="none" w="med" len="med"/>
+                    </a:lnR>
+                    <a:lnT w="12700" cap="flat" cmpd="sng" algn="ctr">
+                      <a:solidFill>
+                        <a:srgbClr val="000000"/>
+                      </a:solidFill>
+                      <a:prstDash val="solid"/>
+                      <a:round/>
+                      <a:headEnd type="none" w="med" len="med"/>
+                      <a:tailEnd type="none" w="med" len="med"/>
+                    </a:lnT>
+                    <a:lnB w="12700" cap="flat" cmpd="sng" algn="ctr">
+                      <a:solidFill>
+                        <a:srgbClr val="000000"/>
+                      </a:solidFill>
+                      <a:prstDash val="solid"/>
+                      <a:round/>
+                      <a:headEnd type="none" w="med" len="med"/>
+                      <a:tailEnd type="none" w="med" len="med"/>
+                    </a:lnB>
+                  </a:tcPr>
+                </a:tc>
+                <a:tc>
+                  <a:txBody>
+                    <a:bodyPr/>
+                    <a:lstStyle/>
+                    <a:p>
+                      <a:pPr algn="l" fontAlgn="ctr"/>
+                      <a:r>
+                        <a:rPr lang="en-US" sz="1100" b="1" dirty="0">
+                          <a:effectLst/>
+                        </a:rPr>
+                        <a:t>BIC:</a:t>
+                      </a:r>
+                    </a:p>
+                  </a:txBody>
+                  <a:tcPr marL="38100" marR="38100" marT="38100" marB="38100" anchor="ctr">
+                    <a:lnL w="12700" cap="flat" cmpd="sng" algn="ctr">
+                      <a:solidFill>
+                        <a:srgbClr val="000000"/>
+                      </a:solidFill>
+                      <a:prstDash val="solid"/>
+                      <a:round/>
+                      <a:headEnd type="none" w="med" len="med"/>
+                      <a:tailEnd type="none" w="med" len="med"/>
+                    </a:lnL>
+                    <a:lnR w="12700" cap="flat" cmpd="sng" algn="ctr">
+                      <a:solidFill>
+                        <a:srgbClr val="000000"/>
+                      </a:solidFill>
+                      <a:prstDash val="solid"/>
+                      <a:round/>
+                      <a:headEnd type="none" w="med" len="med"/>
+                      <a:tailEnd type="none" w="med" len="med"/>
+                    </a:lnR>
+                    <a:lnT w="12700" cap="flat" cmpd="sng" algn="ctr">
+                      <a:solidFill>
+                        <a:srgbClr val="000000"/>
+                      </a:solidFill>
+                      <a:prstDash val="solid"/>
+                      <a:round/>
+                      <a:headEnd type="none" w="med" len="med"/>
+                      <a:tailEnd type="none" w="med" len="med"/>
+                    </a:lnT>
+                    <a:lnB w="12700" cap="flat" cmpd="sng" algn="ctr">
+                      <a:solidFill>
+                        <a:srgbClr val="000000"/>
+                      </a:solidFill>
+                      <a:prstDash val="solid"/>
+                      <a:round/>
+                      <a:headEnd type="none" w="med" len="med"/>
+                      <a:tailEnd type="none" w="med" len="med"/>
+                    </a:lnB>
+                  </a:tcPr>
+                </a:tc>
+                <a:tc>
+                  <a:txBody>
+                    <a:bodyPr/>
+                    <a:lstStyle/>
+                    <a:p>
+                      <a:pPr algn="l" fontAlgn="ctr"/>
+                      <a:r>
+                        <a:rPr lang="hr-HR" sz="1100">
+                          <a:effectLst/>
+                        </a:rPr>
+                        <a:t>2943.</a:t>
+                      </a:r>
+                    </a:p>
+                  </a:txBody>
+                  <a:tcPr marL="38100" marR="38100" marT="38100" marB="38100" anchor="ctr">
+                    <a:lnL w="12700" cap="flat" cmpd="sng" algn="ctr">
+                      <a:solidFill>
+                        <a:srgbClr val="000000"/>
+                      </a:solidFill>
+                      <a:prstDash val="solid"/>
+                      <a:round/>
+                      <a:headEnd type="none" w="med" len="med"/>
+                      <a:tailEnd type="none" w="med" len="med"/>
+                    </a:lnL>
+                    <a:lnR w="12700" cap="flat" cmpd="sng" algn="ctr">
+                      <a:solidFill>
+                        <a:srgbClr val="000000"/>
+                      </a:solidFill>
+                      <a:prstDash val="solid"/>
+                      <a:round/>
+                      <a:headEnd type="none" w="med" len="med"/>
+                      <a:tailEnd type="none" w="med" len="med"/>
+                    </a:lnR>
+                    <a:lnT w="12700" cap="flat" cmpd="sng" algn="ctr">
+                      <a:solidFill>
+                        <a:srgbClr val="000000"/>
+                      </a:solidFill>
+                      <a:prstDash val="solid"/>
+                      <a:round/>
+                      <a:headEnd type="none" w="med" len="med"/>
+                      <a:tailEnd type="none" w="med" len="med"/>
+                    </a:lnT>
+                    <a:lnB w="12700" cap="flat" cmpd="sng" algn="ctr">
+                      <a:solidFill>
+                        <a:srgbClr val="000000"/>
+                      </a:solidFill>
+                      <a:prstDash val="solid"/>
+                      <a:round/>
+                      <a:headEnd type="none" w="med" len="med"/>
+                      <a:tailEnd type="none" w="med" len="med"/>
+                    </a:lnB>
+                  </a:tcPr>
+                </a:tc>
+              </a:tr>
+              <a:tr h="324346">
+                <a:tc>
+                  <a:txBody>
+                    <a:bodyPr/>
+                    <a:lstStyle/>
+                    <a:p>
+                      <a:pPr algn="l" fontAlgn="ctr"/>
+                      <a:r>
+                        <a:rPr lang="en-US" sz="1100" b="1">
+                          <a:effectLst/>
+                        </a:rPr>
+                        <a:t>Df Model:</a:t>
+                      </a:r>
+                    </a:p>
+                  </a:txBody>
+                  <a:tcPr marL="38100" marR="38100" marT="38100" marB="38100" anchor="ctr">
+                    <a:lnL w="12700" cap="flat" cmpd="sng" algn="ctr">
+                      <a:solidFill>
+                        <a:srgbClr val="000000"/>
+                      </a:solidFill>
+                      <a:prstDash val="solid"/>
+                      <a:round/>
+                      <a:headEnd type="none" w="med" len="med"/>
+                      <a:tailEnd type="none" w="med" len="med"/>
+                    </a:lnL>
+                    <a:lnR w="12700" cap="flat" cmpd="sng" algn="ctr">
+                      <a:solidFill>
+                        <a:srgbClr val="000000"/>
+                      </a:solidFill>
+                      <a:prstDash val="solid"/>
+                      <a:round/>
+                      <a:headEnd type="none" w="med" len="med"/>
+                      <a:tailEnd type="none" w="med" len="med"/>
+                    </a:lnR>
+                    <a:lnT w="12700" cap="flat" cmpd="sng" algn="ctr">
+                      <a:solidFill>
+                        <a:srgbClr val="000000"/>
+                      </a:solidFill>
+                      <a:prstDash val="solid"/>
+                      <a:round/>
+                      <a:headEnd type="none" w="med" len="med"/>
+                      <a:tailEnd type="none" w="med" len="med"/>
+                    </a:lnT>
+                    <a:lnB w="12700" cap="flat" cmpd="sng" algn="ctr">
+                      <a:solidFill>
+                        <a:srgbClr val="000000"/>
+                      </a:solidFill>
+                      <a:prstDash val="solid"/>
+                      <a:round/>
+                      <a:headEnd type="none" w="med" len="med"/>
+                      <a:tailEnd type="none" w="med" len="med"/>
+                    </a:lnB>
+                  </a:tcPr>
+                </a:tc>
+                <a:tc>
+                  <a:txBody>
+                    <a:bodyPr/>
+                    <a:lstStyle/>
+                    <a:p>
+                      <a:pPr algn="l" fontAlgn="ctr"/>
+                      <a:r>
+                        <a:rPr lang="en-US" sz="1100">
+                          <a:effectLst/>
+                        </a:rPr>
+                        <a:t>16</a:t>
+                      </a:r>
+                    </a:p>
+                  </a:txBody>
+                  <a:tcPr marL="38100" marR="38100" marT="38100" marB="38100" anchor="ctr">
+                    <a:lnL w="12700" cap="flat" cmpd="sng" algn="ctr">
+                      <a:solidFill>
+                        <a:srgbClr val="000000"/>
+                      </a:solidFill>
+                      <a:prstDash val="solid"/>
+                      <a:round/>
+                      <a:headEnd type="none" w="med" len="med"/>
+                      <a:tailEnd type="none" w="med" len="med"/>
+                    </a:lnL>
+                    <a:lnR w="12700" cap="flat" cmpd="sng" algn="ctr">
+                      <a:solidFill>
+                        <a:srgbClr val="000000"/>
+                      </a:solidFill>
+                      <a:prstDash val="solid"/>
+                      <a:round/>
+                      <a:headEnd type="none" w="med" len="med"/>
+                      <a:tailEnd type="none" w="med" len="med"/>
+                    </a:lnR>
+                    <a:lnT w="12700" cap="flat" cmpd="sng" algn="ctr">
+                      <a:solidFill>
+                        <a:srgbClr val="000000"/>
+                      </a:solidFill>
+                      <a:prstDash val="solid"/>
+                      <a:round/>
+                      <a:headEnd type="none" w="med" len="med"/>
+                      <a:tailEnd type="none" w="med" len="med"/>
+                    </a:lnT>
+                    <a:lnB w="12700" cap="flat" cmpd="sng" algn="ctr">
+                      <a:solidFill>
+                        <a:srgbClr val="000000"/>
+                      </a:solidFill>
+                      <a:prstDash val="solid"/>
+                      <a:round/>
+                      <a:headEnd type="none" w="med" len="med"/>
+                      <a:tailEnd type="none" w="med" len="med"/>
+                    </a:lnB>
+                  </a:tcPr>
+                </a:tc>
+                <a:tc>
+                  <a:txBody>
+                    <a:bodyPr/>
+                    <a:lstStyle/>
+                    <a:p>
+                      <a:pPr algn="l" fontAlgn="ctr"/>
+                      <a:endParaRPr lang="en-US" sz="1100" b="1" dirty="0">
+                        <a:effectLst/>
+                      </a:endParaRPr>
+                    </a:p>
+                  </a:txBody>
+                  <a:tcPr marL="38100" marR="38100" marT="38100" marB="38100" anchor="ctr">
+                    <a:lnL w="12700" cap="flat" cmpd="sng" algn="ctr">
+                      <a:solidFill>
+                        <a:srgbClr val="000000"/>
+                      </a:solidFill>
+                      <a:prstDash val="solid"/>
+                      <a:round/>
+                      <a:headEnd type="none" w="med" len="med"/>
+                      <a:tailEnd type="none" w="med" len="med"/>
+                    </a:lnL>
+                    <a:lnR w="12700" cap="flat" cmpd="sng" algn="ctr">
+                      <a:solidFill>
+                        <a:srgbClr val="000000"/>
+                      </a:solidFill>
+                      <a:prstDash val="solid"/>
+                      <a:round/>
+                      <a:headEnd type="none" w="med" len="med"/>
+                      <a:tailEnd type="none" w="med" len="med"/>
+                    </a:lnR>
+                    <a:lnT w="12700" cap="flat" cmpd="sng" algn="ctr">
+                      <a:solidFill>
+                        <a:srgbClr val="000000"/>
+                      </a:solidFill>
+                      <a:prstDash val="solid"/>
+                      <a:round/>
+                      <a:headEnd type="none" w="med" len="med"/>
+                      <a:tailEnd type="none" w="med" len="med"/>
+                    </a:lnT>
+                    <a:lnB w="12700" cap="flat" cmpd="sng" algn="ctr">
+                      <a:solidFill>
+                        <a:srgbClr val="000000"/>
+                      </a:solidFill>
+                      <a:prstDash val="solid"/>
+                      <a:round/>
+                      <a:headEnd type="none" w="med" len="med"/>
+                      <a:tailEnd type="none" w="med" len="med"/>
+                    </a:lnB>
+                  </a:tcPr>
+                </a:tc>
+                <a:tc>
+                  <a:txBody>
+                    <a:bodyPr/>
+                    <a:lstStyle/>
+                    <a:p>
+                      <a:pPr algn="l" fontAlgn="ctr"/>
+                      <a:endParaRPr lang="en-US" sz="1100">
+                        <a:effectLst/>
+                      </a:endParaRPr>
+                    </a:p>
+                  </a:txBody>
+                  <a:tcPr marL="38100" marR="38100" marT="38100" marB="38100" anchor="ctr">
+                    <a:lnL w="12700" cap="flat" cmpd="sng" algn="ctr">
+                      <a:solidFill>
+                        <a:srgbClr val="000000"/>
+                      </a:solidFill>
+                      <a:prstDash val="solid"/>
+                      <a:round/>
+                      <a:headEnd type="none" w="med" len="med"/>
+                      <a:tailEnd type="none" w="med" len="med"/>
+                    </a:lnL>
+                    <a:lnR w="12700" cap="flat" cmpd="sng" algn="ctr">
+                      <a:solidFill>
+                        <a:srgbClr val="000000"/>
+                      </a:solidFill>
+                      <a:prstDash val="solid"/>
+                      <a:round/>
+                      <a:headEnd type="none" w="med" len="med"/>
+                      <a:tailEnd type="none" w="med" len="med"/>
+                    </a:lnR>
+                    <a:lnT w="12700" cap="flat" cmpd="sng" algn="ctr">
+                      <a:solidFill>
+                        <a:srgbClr val="000000"/>
+                      </a:solidFill>
+                      <a:prstDash val="solid"/>
+                      <a:round/>
+                      <a:headEnd type="none" w="med" len="med"/>
+                      <a:tailEnd type="none" w="med" len="med"/>
+                    </a:lnT>
+                    <a:lnB w="12700" cap="flat" cmpd="sng" algn="ctr">
+                      <a:solidFill>
+                        <a:srgbClr val="000000"/>
+                      </a:solidFill>
+                      <a:prstDash val="solid"/>
+                      <a:round/>
+                      <a:headEnd type="none" w="med" len="med"/>
+                      <a:tailEnd type="none" w="med" len="med"/>
+                    </a:lnB>
+                  </a:tcPr>
+                </a:tc>
+              </a:tr>
+              <a:tr h="324346">
+                <a:tc>
+                  <a:txBody>
+                    <a:bodyPr/>
+                    <a:lstStyle/>
+                    <a:p>
+                      <a:pPr algn="l" fontAlgn="ctr"/>
+                      <a:r>
+                        <a:rPr lang="en-US" sz="1100" b="1" i="0">
+                          <a:solidFill>
+                            <a:srgbClr val="000000"/>
+                          </a:solidFill>
+                          <a:effectLst/>
+                          <a:latin typeface="Helvetica Neue" charset="0"/>
+                        </a:rPr>
+                        <a:t>Covariance Type:</a:t>
+                      </a:r>
+                    </a:p>
+                  </a:txBody>
+                  <a:tcPr marL="38100" marR="38100" marT="38100" marB="38100" anchor="ctr">
+                    <a:lnL w="12700" cap="flat" cmpd="sng" algn="ctr">
+                      <a:solidFill>
+                        <a:srgbClr val="000000"/>
+                      </a:solidFill>
+                      <a:prstDash val="solid"/>
+                      <a:round/>
+                      <a:headEnd type="none" w="med" len="med"/>
+                      <a:tailEnd type="none" w="med" len="med"/>
+                    </a:lnL>
+                    <a:lnR w="12700" cap="flat" cmpd="sng" algn="ctr">
+                      <a:solidFill>
+                        <a:srgbClr val="000000"/>
+                      </a:solidFill>
+                      <a:prstDash val="solid"/>
+                      <a:round/>
+                      <a:headEnd type="none" w="med" len="med"/>
+                      <a:tailEnd type="none" w="med" len="med"/>
+                    </a:lnR>
+                    <a:lnT w="12700" cap="flat" cmpd="sng" algn="ctr">
+                      <a:solidFill>
+                        <a:srgbClr val="000000"/>
+                      </a:solidFill>
+                      <a:prstDash val="solid"/>
+                      <a:round/>
+                      <a:headEnd type="none" w="med" len="med"/>
+                      <a:tailEnd type="none" w="med" len="med"/>
+                    </a:lnT>
+                    <a:lnB w="12700" cap="flat" cmpd="sng" algn="ctr">
+                      <a:solidFill>
+                        <a:srgbClr val="000000"/>
+                      </a:solidFill>
+                      <a:prstDash val="solid"/>
+                      <a:round/>
+                      <a:headEnd type="none" w="med" len="med"/>
+                      <a:tailEnd type="none" w="med" len="med"/>
+                    </a:lnB>
+                    <a:solidFill>
+                      <a:srgbClr val="FFFFFF"/>
+                    </a:solidFill>
+                  </a:tcPr>
+                </a:tc>
+                <a:tc>
+                  <a:txBody>
+                    <a:bodyPr/>
+                    <a:lstStyle/>
+                    <a:p>
+                      <a:pPr algn="l" fontAlgn="ctr"/>
+                      <a:r>
+                        <a:rPr lang="en-US" sz="1100" b="0" i="0">
+                          <a:solidFill>
+                            <a:srgbClr val="000000"/>
+                          </a:solidFill>
+                          <a:effectLst/>
+                          <a:latin typeface="Helvetica Neue" charset="0"/>
+                        </a:rPr>
+                        <a:t>nonrobust</a:t>
+                      </a:r>
+                    </a:p>
+                  </a:txBody>
+                  <a:tcPr marL="38100" marR="38100" marT="38100" marB="38100" anchor="ctr">
+                    <a:lnL w="12700" cap="flat" cmpd="sng" algn="ctr">
+                      <a:solidFill>
+                        <a:srgbClr val="000000"/>
+                      </a:solidFill>
+                      <a:prstDash val="solid"/>
+                      <a:round/>
+                      <a:headEnd type="none" w="med" len="med"/>
+                      <a:tailEnd type="none" w="med" len="med"/>
+                    </a:lnL>
+                    <a:lnR w="12700" cap="flat" cmpd="sng" algn="ctr">
+                      <a:solidFill>
+                        <a:srgbClr val="000000"/>
+                      </a:solidFill>
+                      <a:prstDash val="solid"/>
+                      <a:round/>
+                      <a:headEnd type="none" w="med" len="med"/>
+                      <a:tailEnd type="none" w="med" len="med"/>
+                    </a:lnR>
+                    <a:lnT w="12700" cap="flat" cmpd="sng" algn="ctr">
+                      <a:solidFill>
+                        <a:srgbClr val="000000"/>
+                      </a:solidFill>
+                      <a:prstDash val="solid"/>
+                      <a:round/>
+                      <a:headEnd type="none" w="med" len="med"/>
+                      <a:tailEnd type="none" w="med" len="med"/>
+                    </a:lnT>
+                    <a:lnB w="12700" cap="flat" cmpd="sng" algn="ctr">
+                      <a:solidFill>
+                        <a:srgbClr val="000000"/>
+                      </a:solidFill>
+                      <a:prstDash val="solid"/>
+                      <a:round/>
+                      <a:headEnd type="none" w="med" len="med"/>
+                      <a:tailEnd type="none" w="med" len="med"/>
+                    </a:lnB>
+                    <a:solidFill>
+                      <a:srgbClr val="FFFFFF"/>
+                    </a:solidFill>
+                  </a:tcPr>
+                </a:tc>
+                <a:tc>
+                  <a:txBody>
+                    <a:bodyPr/>
+                    <a:lstStyle/>
+                    <a:p>
+                      <a:pPr algn="l" fontAlgn="ctr"/>
+                      <a:endParaRPr lang="en-US" sz="1100" b="1" i="0" dirty="0">
+                        <a:solidFill>
+                          <a:srgbClr val="000000"/>
+                        </a:solidFill>
+                        <a:effectLst/>
+                        <a:latin typeface="Helvetica Neue" charset="0"/>
+                      </a:endParaRPr>
+                    </a:p>
+                  </a:txBody>
+                  <a:tcPr marL="38100" marR="38100" marT="38100" marB="38100" anchor="ctr">
+                    <a:lnL w="12700" cap="flat" cmpd="sng" algn="ctr">
+                      <a:solidFill>
+                        <a:srgbClr val="000000"/>
+                      </a:solidFill>
+                      <a:prstDash val="solid"/>
+                      <a:round/>
+                      <a:headEnd type="none" w="med" len="med"/>
+                      <a:tailEnd type="none" w="med" len="med"/>
+                    </a:lnL>
+                    <a:lnR w="12700" cap="flat" cmpd="sng" algn="ctr">
+                      <a:solidFill>
+                        <a:srgbClr val="000000"/>
+                      </a:solidFill>
+                      <a:prstDash val="solid"/>
+                      <a:round/>
+                      <a:headEnd type="none" w="med" len="med"/>
+                      <a:tailEnd type="none" w="med" len="med"/>
+                    </a:lnR>
+                    <a:lnT w="12700" cap="flat" cmpd="sng" algn="ctr">
+                      <a:solidFill>
+                        <a:srgbClr val="000000"/>
+                      </a:solidFill>
+                      <a:prstDash val="solid"/>
+                      <a:round/>
+                      <a:headEnd type="none" w="med" len="med"/>
+                      <a:tailEnd type="none" w="med" len="med"/>
+                    </a:lnT>
+                    <a:lnB w="12700" cap="flat" cmpd="sng" algn="ctr">
+                      <a:solidFill>
+                        <a:srgbClr val="000000"/>
+                      </a:solidFill>
+                      <a:prstDash val="solid"/>
+                      <a:round/>
+                      <a:headEnd type="none" w="med" len="med"/>
+                      <a:tailEnd type="none" w="med" len="med"/>
+                    </a:lnB>
+                    <a:solidFill>
+                      <a:srgbClr val="FFFFFF"/>
+                    </a:solidFill>
+                  </a:tcPr>
+                </a:tc>
+                <a:tc>
+                  <a:txBody>
+                    <a:bodyPr/>
+                    <a:lstStyle/>
+                    <a:p>
+                      <a:endParaRPr lang="en-US" sz="1100" dirty="0"/>
+                    </a:p>
+                  </a:txBody>
+                  <a:tcPr marL="68580" marR="68580" marT="34290" marB="34290">
+                    <a:lnL w="12700" cap="flat" cmpd="sng" algn="ctr">
+                      <a:solidFill>
+                        <a:srgbClr val="000000"/>
+                      </a:solidFill>
+                      <a:prstDash val="solid"/>
+                      <a:round/>
+                      <a:headEnd type="none" w="med" len="med"/>
+                      <a:tailEnd type="none" w="med" len="med"/>
+                    </a:lnL>
+                    <a:lnT w="12700" cap="flat" cmpd="sng" algn="ctr">
+                      <a:solidFill>
+                        <a:srgbClr val="000000"/>
+                      </a:solidFill>
+                      <a:prstDash val="solid"/>
+                      <a:round/>
+                      <a:headEnd type="none" w="med" len="med"/>
+                      <a:tailEnd type="none" w="med" len="med"/>
+                    </a:lnT>
+                  </a:tcPr>
+                </a:tc>
+              </a:tr>
+            </a:tbl>
+          </a:graphicData>
+        </a:graphic>
+      </p:graphicFrame>
+      <p:sp>
+        <p:nvSpPr>
+          <p:cNvPr id="6" name="TextBox 5"/>
+          <p:cNvSpPr txBox="1"/>
+          <p:nvPr/>
+        </p:nvSpPr>
+        <p:spPr>
+          <a:xfrm>
+            <a:off x="467752" y="5119760"/>
+            <a:ext cx="8208497" cy="577081"/>
+          </a:xfrm>
+          <a:prstGeom prst="rect">
+            <a:avLst/>
+          </a:prstGeom>
+          <a:noFill/>
+        </p:spPr>
+        <p:txBody>
+          <a:bodyPr wrap="square" rtlCol="0">
+            <a:spAutoFit/>
+          </a:bodyPr>
+          <a:lstStyle/>
+          <a:p>
+            <a:r>
+              <a:rPr lang="en-US" sz="1050" dirty="0" err="1"/>
+              <a:t>f_log_domestic</a:t>
+            </a:r>
+            <a:r>
+              <a:rPr lang="en-US" sz="1050" dirty="0"/>
+              <a:t> ~ </a:t>
+            </a:r>
+            <a:r>
+              <a:rPr lang="en-US" sz="1050" dirty="0" err="1"/>
+              <a:t>f_recency</a:t>
+            </a:r>
+            <a:r>
+              <a:rPr lang="en-US" sz="1050" dirty="0"/>
+              <a:t> + </a:t>
+            </a:r>
+            <a:r>
+              <a:rPr lang="en-US" sz="1050" dirty="0" err="1"/>
+              <a:t>f_title_length</a:t>
+            </a:r>
+            <a:r>
+              <a:rPr lang="en-US" sz="1050" dirty="0"/>
+              <a:t> + </a:t>
+            </a:r>
+            <a:r>
+              <a:rPr lang="en-US" sz="1050" dirty="0" err="1"/>
+              <a:t>f_more_movie_directed</a:t>
+            </a:r>
+            <a:r>
+              <a:rPr lang="en-US" sz="1050" dirty="0"/>
+              <a:t> + </a:t>
+            </a:r>
+            <a:r>
+              <a:rPr lang="en-US" sz="1050" dirty="0" err="1"/>
+              <a:t>f_R_rated</a:t>
+            </a:r>
+            <a:r>
+              <a:rPr lang="en-US" sz="1050" dirty="0"/>
+              <a:t> + f_PG13_rated + </a:t>
+            </a:r>
+            <a:r>
+              <a:rPr lang="en-US" sz="1050" dirty="0" err="1"/>
+              <a:t>f_PG_rated</a:t>
+            </a:r>
+            <a:r>
+              <a:rPr lang="en-US" sz="1050" dirty="0"/>
+              <a:t> + </a:t>
+            </a:r>
+            <a:r>
+              <a:rPr lang="en-US" sz="1050" dirty="0" err="1"/>
+              <a:t>f_not_rated</a:t>
+            </a:r>
+            <a:r>
+              <a:rPr lang="en-US" sz="1050" dirty="0"/>
+              <a:t> + </a:t>
+            </a:r>
+            <a:r>
+              <a:rPr lang="en-US" sz="1050" dirty="0" err="1"/>
+              <a:t>f_log_open_theater</a:t>
+            </a:r>
+            <a:r>
+              <a:rPr lang="en-US" sz="1050" dirty="0"/>
+              <a:t> + </a:t>
+            </a:r>
+            <a:r>
+              <a:rPr lang="en-US" sz="1050" dirty="0" err="1"/>
+              <a:t>f_log_open_wkend</a:t>
+            </a:r>
+            <a:r>
+              <a:rPr lang="en-US" sz="1050" dirty="0"/>
+              <a:t> + </a:t>
+            </a:r>
+            <a:r>
+              <a:rPr lang="en-US" sz="1050" dirty="0" err="1"/>
+              <a:t>f_square_log_wkend</a:t>
+            </a:r>
+            <a:r>
+              <a:rPr lang="en-US" sz="1050" dirty="0"/>
+              <a:t> + </a:t>
+            </a:r>
+            <a:r>
+              <a:rPr lang="en-US" sz="1050" dirty="0" err="1"/>
+              <a:t>f_per_theater_take</a:t>
+            </a:r>
+            <a:r>
+              <a:rPr lang="en-US" sz="1050" dirty="0"/>
+              <a:t> + </a:t>
+            </a:r>
+            <a:r>
+              <a:rPr lang="en-US" sz="1050" dirty="0" err="1"/>
+              <a:t>f_action</a:t>
+            </a:r>
+            <a:r>
+              <a:rPr lang="en-US" sz="1050" dirty="0"/>
+              <a:t> + </a:t>
+            </a:r>
+            <a:r>
+              <a:rPr lang="en-US" sz="1050" dirty="0" err="1"/>
+              <a:t>f_neg_user_percent</a:t>
+            </a:r>
+            <a:r>
+              <a:rPr lang="en-US" sz="1050" dirty="0"/>
+              <a:t> + </a:t>
+            </a:r>
+            <a:r>
+              <a:rPr lang="en-US" sz="1050" dirty="0" err="1"/>
+              <a:t>f_pos_user_percent</a:t>
+            </a:r>
+            <a:r>
+              <a:rPr lang="en-US" sz="1050" dirty="0"/>
+              <a:t> + </a:t>
+            </a:r>
+            <a:r>
+              <a:rPr lang="en-US" sz="1050" dirty="0" err="1"/>
+              <a:t>f_neg_critic_percent</a:t>
+            </a:r>
+            <a:r>
+              <a:rPr lang="en-US" sz="1050" dirty="0"/>
+              <a:t> + </a:t>
+            </a:r>
+            <a:r>
+              <a:rPr lang="en-US" sz="1050" dirty="0" err="1"/>
+              <a:t>f_pos_critic_percent</a:t>
+            </a:r>
+            <a:endParaRPr lang="en-US" sz="1050" dirty="0"/>
+          </a:p>
+        </p:txBody>
+      </p:sp>
+    </p:spTree>
+    <p:extLst>
+      <p:ext uri="{BB962C8B-B14F-4D97-AF65-F5344CB8AC3E}">
+        <p14:creationId xmlns:p14="http://schemas.microsoft.com/office/powerpoint/2010/main" val="1814544648"/>
+      </p:ext>
+    </p:extLst>
+  </p:cSld>
+  <p:clrMapOvr>
+    <a:masterClrMapping/>
+  </p:clrMapOvr>
+</p:sld>
+</file>
+
+<file path=ppt/slides/slide5.xml><?xml version="1.0" encoding="utf-8"?>
+<p:sld xmlns:a="http://schemas.openxmlformats.org/drawingml/2006/main" xmlns:r="http://schemas.openxmlformats.org/officeDocument/2006/relationships" xmlns:p="http://schemas.openxmlformats.org/presentationml/2006/main">
+  <p:cSld>
+    <p:spTree>
+      <p:nvGrpSpPr>
+        <p:cNvPr id="1" name=""/>
+        <p:cNvGrpSpPr/>
+        <p:nvPr/>
+      </p:nvGrpSpPr>
+      <p:grpSpPr>
+        <a:xfrm>
+          <a:off x="0" y="0"/>
+          <a:ext cx="0" cy="0"/>
+          <a:chOff x="0" y="0"/>
+          <a:chExt cx="0" cy="0"/>
+        </a:xfrm>
+      </p:grpSpPr>
+      <p:sp>
+        <p:nvSpPr>
+          <p:cNvPr id="2" name="Title 1"/>
+          <p:cNvSpPr>
+            <a:spLocks noGrp="1"/>
+          </p:cNvSpPr>
+          <p:nvPr>
+            <p:ph type="title"/>
+          </p:nvPr>
+        </p:nvSpPr>
+        <p:spPr>
+          <a:xfrm>
+            <a:off x="304800" y="76200"/>
+            <a:ext cx="8534400" cy="1066800"/>
+          </a:xfrm>
+        </p:spPr>
+        <p:txBody>
+          <a:bodyPr/>
+          <a:lstStyle/>
+          <a:p>
+            <a:r>
+              <a:rPr lang="en-US" sz="2400" dirty="0" smtClean="0"/>
+              <a:t>Profiling study shows promising strategy for the investment decision</a:t>
+            </a:r>
+            <a:endParaRPr lang="en-US" sz="2400" dirty="0"/>
+          </a:p>
+        </p:txBody>
+      </p:sp>
+      <p:graphicFrame>
+        <p:nvGraphicFramePr>
+          <p:cNvPr id="4" name="Content Placeholder 3"/>
+          <p:cNvGraphicFramePr>
+            <a:graphicFrameLocks noGrp="1"/>
+          </p:cNvGraphicFramePr>
+          <p:nvPr>
+            <p:ph idx="1"/>
+            <p:extLst>
+              <p:ext uri="{D42A27DB-BD31-4B8C-83A1-F6EECF244321}">
+                <p14:modId xmlns:p14="http://schemas.microsoft.com/office/powerpoint/2010/main" val="303591122"/>
+              </p:ext>
+            </p:extLst>
+          </p:nvPr>
+        </p:nvGraphicFramePr>
+        <p:xfrm>
+          <a:off x="284018" y="1122218"/>
+          <a:ext cx="8534400" cy="4990944"/>
         </p:xfrm>
         <a:graphic>
           <a:graphicData uri="http://schemas.openxmlformats.org/drawingml/2006/table">
@@ -3241,7 +5555,7 @@
                 <a:gridCol w="3657600"/>
                 <a:gridCol w="3810000"/>
               </a:tblGrid>
-              <a:tr h="583833">
+              <a:tr h="418944">
                 <a:tc>
                   <a:txBody>
                     <a:bodyPr/>
@@ -3405,7 +5719,7 @@
                   </a:tcPr>
                 </a:tc>
               </a:tr>
-              <a:tr h="2768966">
+              <a:tr h="2121556">
                 <a:tc>
                   <a:txBody>
                     <a:bodyPr/>
@@ -3474,11 +5788,11 @@
                         <a:buChar char="•"/>
                       </a:pPr>
                       <a:r>
-                        <a:rPr lang="en-US" dirty="0" err="1" smtClean="0"/>
+                        <a:rPr lang="en-US" sz="1200" dirty="0" err="1" smtClean="0"/>
                         <a:t>Avg</a:t>
                       </a:r>
                       <a:r>
-                        <a:rPr lang="en-US" dirty="0" smtClean="0"/>
+                        <a:rPr lang="en-US" sz="1200" dirty="0" smtClean="0"/>
                         <a:t> Gross of 29MM</a:t>
                       </a:r>
                     </a:p>
@@ -3488,12 +5802,16 @@
                         <a:buChar char="•"/>
                       </a:pPr>
                       <a:r>
-                        <a:rPr lang="en-US" dirty="0" smtClean="0"/>
+                        <a:rPr lang="en-US" sz="1200" dirty="0" smtClean="0"/>
                         <a:t>Budget</a:t>
                       </a:r>
                       <a:r>
-                        <a:rPr lang="en-US" baseline="0" dirty="0" smtClean="0"/>
-                        <a:t> 17</a:t>
+                        <a:rPr lang="en-US" sz="1200" baseline="0" dirty="0" smtClean="0"/>
+                        <a:t> </a:t>
+                      </a:r>
+                      <a:r>
+                        <a:rPr lang="en-US" sz="1200" baseline="0" dirty="0" smtClean="0"/>
+                        <a:t>17MM</a:t>
                       </a:r>
                     </a:p>
                     <a:p>
@@ -3502,8 +5820,26 @@
                         <a:buChar char="•"/>
                       </a:pPr>
                       <a:r>
-                        <a:rPr lang="en-US" baseline="0" dirty="0" smtClean="0"/>
-                        <a:t>Primary Directors:</a:t>
+                        <a:rPr lang="en-US" sz="1200" baseline="0" dirty="0" smtClean="0">
+                          <a:solidFill>
+                            <a:srgbClr val="008000"/>
+                          </a:solidFill>
+                        </a:rPr>
+                        <a:t>Return: 0.70x</a:t>
+                      </a:r>
+                    </a:p>
+                    <a:p>
+                      <a:pPr marL="285750" indent="-285750">
+                        <a:buFont typeface="Arial" panose="020B0604020202020204" pitchFamily="34" charset="0"/>
+                        <a:buChar char="•"/>
+                      </a:pPr>
+                      <a:r>
+                        <a:rPr lang="en-US" sz="1200" baseline="0" dirty="0" smtClean="0"/>
+                        <a:t>Primary </a:t>
+                      </a:r>
+                      <a:r>
+                        <a:rPr lang="en-US" sz="1200" baseline="0" dirty="0" smtClean="0"/>
+                        <a:t>Directors:</a:t>
                       </a:r>
                     </a:p>
                     <a:p>
@@ -3512,14 +5848,14 @@
                         <a:buChar char="•"/>
                       </a:pPr>
                       <a:r>
-                        <a:rPr lang="en-US" sz="1400" dirty="0" smtClean="0"/>
+                        <a:rPr lang="en-US" sz="1200" dirty="0" smtClean="0"/>
                         <a:t>Gus Van </a:t>
                       </a:r>
                       <a:r>
-                        <a:rPr lang="en-US" sz="1400" dirty="0" err="1" smtClean="0"/>
+                        <a:rPr lang="en-US" sz="1200" dirty="0" err="1" smtClean="0"/>
                         <a:t>Sant</a:t>
                       </a:r>
-                      <a:endParaRPr lang="en-US" sz="1400" dirty="0" smtClean="0"/>
+                      <a:endParaRPr lang="en-US" sz="1200" dirty="0" smtClean="0"/>
                     </a:p>
                     <a:p>
                       <a:pPr marL="742950" lvl="1" indent="-285750">
@@ -3527,7 +5863,7 @@
                         <a:buChar char="•"/>
                       </a:pPr>
                       <a:r>
-                        <a:rPr lang="en-US" sz="1400" dirty="0" smtClean="0"/>
+                        <a:rPr lang="en-US" sz="1200" dirty="0" smtClean="0"/>
                         <a:t>Bennett Miller</a:t>
                       </a:r>
                     </a:p>
@@ -3537,7 +5873,7 @@
                         <a:buChar char="•"/>
                       </a:pPr>
                       <a:r>
-                        <a:rPr lang="en-US" sz="1400" dirty="0" smtClean="0"/>
+                        <a:rPr lang="en-US" sz="1200" dirty="0" smtClean="0"/>
                         <a:t>Robert Redford</a:t>
                       </a:r>
                     </a:p>
@@ -3547,7 +5883,7 @@
                         <a:buChar char="•"/>
                       </a:pPr>
                       <a:r>
-                        <a:rPr lang="en-US" sz="1800" dirty="0" smtClean="0"/>
+                        <a:rPr lang="en-US" sz="1200" dirty="0" smtClean="0"/>
                         <a:t>Primary Genres:</a:t>
                       </a:r>
                     </a:p>
@@ -3557,7 +5893,7 @@
                         <a:buChar char="•"/>
                       </a:pPr>
                       <a:r>
-                        <a:rPr lang="en-US" sz="1400" dirty="0" smtClean="0"/>
+                        <a:rPr lang="en-US" sz="1200" dirty="0" smtClean="0"/>
                         <a:t>Biography (4)</a:t>
                       </a:r>
                     </a:p>
@@ -3567,10 +5903,10 @@
                         <a:buChar char="•"/>
                       </a:pPr>
                       <a:r>
-                        <a:rPr lang="en-US" sz="1400" dirty="0" smtClean="0"/>
+                        <a:rPr lang="en-US" sz="1200" dirty="0" smtClean="0"/>
                         <a:t>Drama (2)</a:t>
                       </a:r>
-                      <a:endParaRPr lang="en-US" sz="1600" dirty="0"/>
+                      <a:endParaRPr lang="en-US" sz="1200" dirty="0"/>
                     </a:p>
                   </a:txBody>
                   <a:tcPr>
@@ -3622,11 +5958,11 @@
                         <a:buChar char="•"/>
                       </a:pPr>
                       <a:r>
-                        <a:rPr lang="en-US" dirty="0" err="1" smtClean="0"/>
+                        <a:rPr lang="en-US" sz="1200" dirty="0" err="1" smtClean="0"/>
                         <a:t>Avg</a:t>
                       </a:r>
                       <a:r>
-                        <a:rPr lang="en-US" dirty="0" smtClean="0"/>
+                        <a:rPr lang="en-US" sz="1200" dirty="0" smtClean="0"/>
                         <a:t> Gross of 131MM</a:t>
                       </a:r>
                     </a:p>
@@ -3636,8 +5972,12 @@
                         <a:buChar char="•"/>
                       </a:pPr>
                       <a:r>
-                        <a:rPr lang="en-US" dirty="0" smtClean="0"/>
-                        <a:t>Budget 45</a:t>
+                        <a:rPr lang="en-US" sz="1200" dirty="0" smtClean="0"/>
+                        <a:t>Budget </a:t>
+                      </a:r>
+                      <a:r>
+                        <a:rPr lang="en-US" sz="1200" dirty="0" smtClean="0"/>
+                        <a:t>45MM</a:t>
                       </a:r>
                     </a:p>
                     <a:p>
@@ -3646,7 +5986,26 @@
                         <a:buChar char="•"/>
                       </a:pPr>
                       <a:r>
-                        <a:rPr lang="en-US" baseline="0" dirty="0" smtClean="0"/>
+                        <a:rPr lang="en-US" sz="1200" dirty="0" smtClean="0">
+                          <a:solidFill>
+                            <a:srgbClr val="008000"/>
+                          </a:solidFill>
+                        </a:rPr>
+                        <a:t>Return: 1.91x</a:t>
+                      </a:r>
+                      <a:endParaRPr lang="en-US" sz="1200" dirty="0" smtClean="0">
+                        <a:solidFill>
+                          <a:srgbClr val="008000"/>
+                        </a:solidFill>
+                      </a:endParaRPr>
+                    </a:p>
+                    <a:p>
+                      <a:pPr marL="285750" indent="-285750">
+                        <a:buFont typeface="Arial" panose="020B0604020202020204" pitchFamily="34" charset="0"/>
+                        <a:buChar char="•"/>
+                      </a:pPr>
+                      <a:r>
+                        <a:rPr lang="en-US" sz="1200" baseline="0" dirty="0" smtClean="0"/>
                         <a:t>Primary Directors:</a:t>
                       </a:r>
                     </a:p>
@@ -3656,7 +6015,7 @@
                         <a:buChar char="•"/>
                       </a:pPr>
                       <a:r>
-                        <a:rPr lang="en-US" sz="1400" dirty="0" smtClean="0"/>
+                        <a:rPr lang="en-US" sz="1200" dirty="0" smtClean="0"/>
                         <a:t>Clint Eastwood</a:t>
                       </a:r>
                     </a:p>
@@ -3666,7 +6025,7 @@
                         <a:buChar char="•"/>
                       </a:pPr>
                       <a:r>
-                        <a:rPr lang="en-US" sz="1400" dirty="0" smtClean="0"/>
+                        <a:rPr lang="en-US" sz="1200" dirty="0" smtClean="0"/>
                         <a:t>Oliver Stone</a:t>
                       </a:r>
                     </a:p>
@@ -3676,11 +6035,11 @@
                         <a:buChar char="•"/>
                       </a:pPr>
                       <a:r>
-                        <a:rPr lang="en-US" sz="1400" dirty="0" err="1" smtClean="0"/>
+                        <a:rPr lang="en-US" sz="1200" dirty="0" err="1" smtClean="0"/>
                         <a:t>Ang</a:t>
                       </a:r>
                       <a:r>
-                        <a:rPr lang="en-US" sz="1400" dirty="0" smtClean="0"/>
+                        <a:rPr lang="en-US" sz="1200" dirty="0" smtClean="0"/>
                         <a:t> Lee</a:t>
                       </a:r>
                     </a:p>
@@ -3690,7 +6049,7 @@
                         <a:buChar char="•"/>
                       </a:pPr>
                       <a:r>
-                        <a:rPr lang="en-US" sz="1800" dirty="0" smtClean="0"/>
+                        <a:rPr lang="en-US" sz="1200" dirty="0" smtClean="0"/>
                         <a:t>Primary Genres:</a:t>
                       </a:r>
                     </a:p>
@@ -3700,7 +6059,7 @@
                         <a:buChar char="•"/>
                       </a:pPr>
                       <a:r>
-                        <a:rPr lang="en-US" sz="1400" dirty="0" smtClean="0"/>
+                        <a:rPr lang="en-US" sz="1200" dirty="0" smtClean="0"/>
                         <a:t>Drama (30)</a:t>
                       </a:r>
                     </a:p>
@@ -3710,7 +6069,7 @@
                         <a:buChar char="•"/>
                       </a:pPr>
                       <a:r>
-                        <a:rPr lang="en-US" sz="1400" dirty="0" smtClean="0"/>
+                        <a:rPr lang="en-US" sz="1200" dirty="0" smtClean="0"/>
                         <a:t>Biography (7)</a:t>
                       </a:r>
                     </a:p>
@@ -3720,7 +6079,7 @@
                         <a:buChar char="•"/>
                       </a:pPr>
                       <a:r>
-                        <a:rPr lang="en-US" sz="1400" dirty="0" smtClean="0"/>
+                        <a:rPr lang="en-US" sz="1200" dirty="0" smtClean="0"/>
                         <a:t>Action (6)</a:t>
                       </a:r>
                     </a:p>
@@ -3730,10 +6089,9 @@
                         <a:buChar char="•"/>
                       </a:pPr>
                       <a:r>
-                        <a:rPr lang="en-US" sz="1400" dirty="0" smtClean="0"/>
+                        <a:rPr lang="en-US" sz="1200" dirty="0" smtClean="0"/>
                         <a:t>Adventure (2)</a:t>
                       </a:r>
-                      <a:endParaRPr lang="en-US" sz="1600" dirty="0" smtClean="0"/>
                     </a:p>
                   </a:txBody>
                   <a:tcPr>
@@ -3776,7 +6134,7 @@
                   </a:tcPr>
                 </a:tc>
               </a:tr>
-              <a:tr h="2596947">
+              <a:tr h="2121556">
                 <a:tc>
                   <a:txBody>
                     <a:bodyPr/>
@@ -3845,11 +6203,11 @@
                         <a:buChar char="•"/>
                       </a:pPr>
                       <a:r>
-                        <a:rPr lang="en-US" dirty="0" err="1" smtClean="0"/>
+                        <a:rPr lang="en-US" sz="1200" dirty="0" err="1" smtClean="0"/>
                         <a:t>Avg</a:t>
                       </a:r>
                       <a:r>
-                        <a:rPr lang="en-US" baseline="0" dirty="0" smtClean="0"/>
+                        <a:rPr lang="en-US" sz="1200" baseline="0" dirty="0" smtClean="0"/>
                         <a:t> Gross of 12MM</a:t>
                       </a:r>
                     </a:p>
@@ -3859,8 +6217,12 @@
                         <a:buChar char="•"/>
                       </a:pPr>
                       <a:r>
-                        <a:rPr lang="en-US" baseline="0" dirty="0" smtClean="0"/>
-                        <a:t>Budget 18</a:t>
+                        <a:rPr lang="en-US" sz="1200" baseline="0" dirty="0" smtClean="0"/>
+                        <a:t>Budget </a:t>
+                      </a:r>
+                      <a:r>
+                        <a:rPr lang="en-US" sz="1200" baseline="0" dirty="0" smtClean="0"/>
+                        <a:t>18MM</a:t>
                       </a:r>
                     </a:p>
                     <a:p>
@@ -3869,7 +6231,26 @@
                         <a:buChar char="•"/>
                       </a:pPr>
                       <a:r>
-                        <a:rPr lang="en-US" baseline="0" dirty="0" smtClean="0"/>
+                        <a:rPr lang="en-US" sz="1200" baseline="0" dirty="0" smtClean="0">
+                          <a:solidFill>
+                            <a:srgbClr val="FF0000"/>
+                          </a:solidFill>
+                        </a:rPr>
+                        <a:t>Return: -0.33x</a:t>
+                      </a:r>
+                      <a:endParaRPr lang="en-US" sz="1200" baseline="0" dirty="0" smtClean="0">
+                        <a:solidFill>
+                          <a:srgbClr val="FF0000"/>
+                        </a:solidFill>
+                      </a:endParaRPr>
+                    </a:p>
+                    <a:p>
+                      <a:pPr marL="285750" indent="-285750">
+                        <a:buFont typeface="Arial" panose="020B0604020202020204" pitchFamily="34" charset="0"/>
+                        <a:buChar char="•"/>
+                      </a:pPr>
+                      <a:r>
+                        <a:rPr lang="en-US" sz="1200" baseline="0" dirty="0" smtClean="0"/>
                         <a:t>Primary Directors:</a:t>
                       </a:r>
                     </a:p>
@@ -3879,14 +6260,14 @@
                         <a:buChar char="•"/>
                       </a:pPr>
                       <a:r>
-                        <a:rPr lang="en-US" sz="1400" dirty="0" smtClean="0"/>
+                        <a:rPr lang="en-US" sz="1200" dirty="0" smtClean="0"/>
                         <a:t>Spike </a:t>
                       </a:r>
                       <a:r>
-                        <a:rPr lang="en-US" sz="1400" dirty="0" err="1" smtClean="0"/>
+                        <a:rPr lang="en-US" sz="1200" dirty="0" err="1" smtClean="0"/>
                         <a:t>Jonze</a:t>
                       </a:r>
-                      <a:endParaRPr lang="en-US" sz="1400" baseline="0" dirty="0" smtClean="0"/>
+                      <a:endParaRPr lang="en-US" sz="1200" baseline="0" dirty="0" smtClean="0"/>
                     </a:p>
                     <a:p>
                       <a:pPr marL="742950" lvl="1" indent="-285750">
@@ -3894,7 +6275,7 @@
                         <a:buChar char="•"/>
                       </a:pPr>
                       <a:r>
-                        <a:rPr lang="en-US" sz="1400" baseline="0" dirty="0" smtClean="0"/>
+                        <a:rPr lang="en-US" sz="1200" baseline="0" dirty="0" smtClean="0"/>
                         <a:t>Todd Field</a:t>
                       </a:r>
                     </a:p>
@@ -3904,14 +6285,14 @@
                         <a:buChar char="•"/>
                       </a:pPr>
                       <a:r>
-                        <a:rPr lang="en-US" sz="1400" baseline="0" dirty="0" smtClean="0"/>
+                        <a:rPr lang="en-US" sz="1200" baseline="0" dirty="0" smtClean="0"/>
                         <a:t>Pedro </a:t>
                       </a:r>
                       <a:r>
-                        <a:rPr lang="en-US" sz="1400" baseline="0" dirty="0" err="1" smtClean="0"/>
+                        <a:rPr lang="en-US" sz="1200" baseline="0" dirty="0" err="1" smtClean="0"/>
                         <a:t>Almodovar</a:t>
                       </a:r>
-                      <a:endParaRPr lang="en-US" sz="1400" dirty="0" smtClean="0"/>
+                      <a:endParaRPr lang="en-US" sz="1200" dirty="0" smtClean="0"/>
                     </a:p>
                     <a:p>
                       <a:pPr marL="285750" lvl="0" indent="-285750">
@@ -3919,7 +6300,7 @@
                         <a:buChar char="•"/>
                       </a:pPr>
                       <a:r>
-                        <a:rPr lang="en-US" sz="1800" dirty="0" smtClean="0"/>
+                        <a:rPr lang="en-US" sz="1200" dirty="0" smtClean="0"/>
                         <a:t>Primary Genres:</a:t>
                       </a:r>
                     </a:p>
@@ -3929,7 +6310,7 @@
                         <a:buChar char="•"/>
                       </a:pPr>
                       <a:r>
-                        <a:rPr lang="en-US" sz="1400" dirty="0" smtClean="0"/>
+                        <a:rPr lang="en-US" sz="1200" dirty="0" smtClean="0"/>
                         <a:t>Drama (32)</a:t>
                       </a:r>
                     </a:p>
@@ -3939,11 +6320,11 @@
                         <a:buChar char="•"/>
                       </a:pPr>
                       <a:r>
-                        <a:rPr lang="en-US" sz="1400" dirty="0" smtClean="0"/>
+                        <a:rPr lang="en-US" sz="1200" dirty="0" smtClean="0"/>
                         <a:t>Biography</a:t>
                       </a:r>
                       <a:r>
-                        <a:rPr lang="en-US" sz="1400" baseline="0" dirty="0" smtClean="0"/>
+                        <a:rPr lang="en-US" sz="1200" baseline="0" dirty="0" smtClean="0"/>
                         <a:t> (4)</a:t>
                       </a:r>
                     </a:p>
@@ -3953,7 +6334,7 @@
                         <a:buChar char="•"/>
                       </a:pPr>
                       <a:r>
-                        <a:rPr lang="en-US" sz="1400" baseline="0" dirty="0" smtClean="0"/>
+                        <a:rPr lang="en-US" sz="1200" baseline="0" dirty="0" smtClean="0"/>
                         <a:t>Action (3)</a:t>
                       </a:r>
                     </a:p>
@@ -3963,10 +6344,10 @@
                         <a:buChar char="•"/>
                       </a:pPr>
                       <a:r>
-                        <a:rPr lang="en-US" sz="1400" baseline="0" dirty="0" smtClean="0"/>
+                        <a:rPr lang="en-US" sz="1200" baseline="0" dirty="0" smtClean="0"/>
                         <a:t>Adventure (2)</a:t>
                       </a:r>
-                      <a:endParaRPr lang="en-US" sz="1400" dirty="0" smtClean="0"/>
+                      <a:endParaRPr lang="en-US" sz="1200" dirty="0" smtClean="0"/>
                     </a:p>
                   </a:txBody>
                   <a:tcPr>
@@ -4018,11 +6399,11 @@
                         <a:buChar char="•"/>
                       </a:pPr>
                       <a:r>
-                        <a:rPr lang="en-US" dirty="0" err="1" smtClean="0"/>
+                        <a:rPr lang="en-US" sz="1200" dirty="0" err="1" smtClean="0"/>
                         <a:t>Avg</a:t>
                       </a:r>
                       <a:r>
-                        <a:rPr lang="en-US" dirty="0" smtClean="0"/>
+                        <a:rPr lang="en-US" sz="1200" dirty="0" smtClean="0"/>
                         <a:t> Gross of 89MM</a:t>
                       </a:r>
                     </a:p>
@@ -4032,8 +6413,12 @@
                         <a:buChar char="•"/>
                       </a:pPr>
                       <a:r>
-                        <a:rPr lang="en-US" dirty="0" smtClean="0"/>
-                        <a:t>Budget 53</a:t>
+                        <a:rPr lang="en-US" sz="1200" dirty="0" smtClean="0"/>
+                        <a:t>Budget </a:t>
+                      </a:r>
+                      <a:r>
+                        <a:rPr lang="en-US" sz="1200" dirty="0" smtClean="0"/>
+                        <a:t>53MM</a:t>
                       </a:r>
                     </a:p>
                     <a:p>
@@ -4042,7 +6427,34 @@
                         <a:buChar char="•"/>
                       </a:pPr>
                       <a:r>
-                        <a:rPr lang="en-US" baseline="0" dirty="0" smtClean="0"/>
+                        <a:rPr lang="en-US" sz="1200" dirty="0" smtClean="0">
+                          <a:solidFill>
+                            <a:srgbClr val="008000"/>
+                          </a:solidFill>
+                        </a:rPr>
+                        <a:t>Return:</a:t>
+                      </a:r>
+                      <a:r>
+                        <a:rPr lang="en-US" sz="1200" baseline="0" dirty="0" smtClean="0">
+                          <a:solidFill>
+                            <a:srgbClr val="008000"/>
+                          </a:solidFill>
+                        </a:rPr>
+                        <a:t> .70x</a:t>
+                      </a:r>
+                      <a:endParaRPr lang="en-US" sz="1200" dirty="0" smtClean="0">
+                        <a:solidFill>
+                          <a:srgbClr val="008000"/>
+                        </a:solidFill>
+                      </a:endParaRPr>
+                    </a:p>
+                    <a:p>
+                      <a:pPr marL="285750" indent="-285750">
+                        <a:buFont typeface="Arial" panose="020B0604020202020204" pitchFamily="34" charset="0"/>
+                        <a:buChar char="•"/>
+                      </a:pPr>
+                      <a:r>
+                        <a:rPr lang="en-US" sz="1200" baseline="0" dirty="0" smtClean="0"/>
                         <a:t>Primary Directors:</a:t>
                       </a:r>
                     </a:p>
@@ -4052,7 +6464,7 @@
                         <a:buChar char="•"/>
                       </a:pPr>
                       <a:r>
-                        <a:rPr lang="en-US" sz="1400" dirty="0" smtClean="0"/>
+                        <a:rPr lang="en-US" sz="1200" dirty="0" smtClean="0"/>
                         <a:t>Stephen Spielberg</a:t>
                       </a:r>
                     </a:p>
@@ -4062,7 +6474,7 @@
                         <a:buChar char="•"/>
                       </a:pPr>
                       <a:r>
-                        <a:rPr lang="en-US" sz="1400" dirty="0" smtClean="0"/>
+                        <a:rPr lang="en-US" sz="1200" dirty="0" smtClean="0"/>
                         <a:t>Martin Scorsese</a:t>
                       </a:r>
                     </a:p>
@@ -4072,14 +6484,14 @@
                         <a:buChar char="•"/>
                       </a:pPr>
                       <a:r>
-                        <a:rPr lang="en-US" sz="1400" dirty="0" smtClean="0"/>
+                        <a:rPr lang="en-US" sz="1200" dirty="0" smtClean="0"/>
                         <a:t>Mike</a:t>
                       </a:r>
                       <a:r>
-                        <a:rPr lang="en-US" sz="1400" baseline="0" dirty="0" smtClean="0"/>
+                        <a:rPr lang="en-US" sz="1200" baseline="0" dirty="0" smtClean="0"/>
                         <a:t> Nichols</a:t>
                       </a:r>
-                      <a:endParaRPr lang="en-US" sz="1400" dirty="0" smtClean="0"/>
+                      <a:endParaRPr lang="en-US" sz="1200" dirty="0" smtClean="0"/>
                     </a:p>
                     <a:p>
                       <a:pPr marL="285750" lvl="0" indent="-285750">
@@ -4087,7 +6499,7 @@
                         <a:buChar char="•"/>
                       </a:pPr>
                       <a:r>
-                        <a:rPr lang="en-US" sz="1800" dirty="0" smtClean="0"/>
+                        <a:rPr lang="en-US" sz="1200" dirty="0" smtClean="0"/>
                         <a:t>Primary Genres:</a:t>
                       </a:r>
                     </a:p>
@@ -4097,7 +6509,7 @@
                         <a:buChar char="•"/>
                       </a:pPr>
                       <a:r>
-                        <a:rPr lang="en-US" sz="1400" dirty="0" smtClean="0"/>
+                        <a:rPr lang="en-US" sz="1200" dirty="0" smtClean="0"/>
                         <a:t>Drama (49)</a:t>
                       </a:r>
                     </a:p>
@@ -4107,7 +6519,7 @@
                         <a:buChar char="•"/>
                       </a:pPr>
                       <a:r>
-                        <a:rPr lang="en-US" sz="1400" dirty="0" smtClean="0"/>
+                        <a:rPr lang="en-US" sz="1200" dirty="0" smtClean="0"/>
                         <a:t>Action (8)</a:t>
                       </a:r>
                     </a:p>
@@ -4117,11 +6529,11 @@
                         <a:buChar char="•"/>
                       </a:pPr>
                       <a:r>
-                        <a:rPr lang="en-US" sz="1400" dirty="0" smtClean="0"/>
+                        <a:rPr lang="en-US" sz="1200" dirty="0" smtClean="0"/>
                         <a:t>Adventure</a:t>
                       </a:r>
                       <a:r>
-                        <a:rPr lang="en-US" sz="1400" baseline="0" dirty="0" smtClean="0"/>
+                        <a:rPr lang="en-US" sz="1200" baseline="0" dirty="0" smtClean="0"/>
                         <a:t> (8)</a:t>
                       </a:r>
                     </a:p>
@@ -4131,10 +6543,10 @@
                         <a:buChar char="•"/>
                       </a:pPr>
                       <a:r>
-                        <a:rPr lang="en-US" sz="1400" baseline="0" dirty="0" smtClean="0"/>
+                        <a:rPr lang="en-US" sz="1200" baseline="0" dirty="0" smtClean="0"/>
                         <a:t>Thriller (2)</a:t>
                       </a:r>
-                      <a:endParaRPr lang="en-US" sz="1600" dirty="0" smtClean="0"/>
+                      <a:endParaRPr lang="en-US" sz="1200" dirty="0" smtClean="0"/>
                     </a:p>
                   </a:txBody>
                   <a:tcPr>
@@ -4201,7 +6613,107 @@
 </p:sld>
 </file>
 
-<file path=ppt/slides/slide4.xml><?xml version="1.0" encoding="utf-8"?>
+<file path=ppt/slides/slide6.xml><?xml version="1.0" encoding="utf-8"?>
+<p:sld xmlns:a="http://schemas.openxmlformats.org/drawingml/2006/main" xmlns:r="http://schemas.openxmlformats.org/officeDocument/2006/relationships" xmlns:p="http://schemas.openxmlformats.org/presentationml/2006/main">
+  <p:cSld>
+    <p:spTree>
+      <p:nvGrpSpPr>
+        <p:cNvPr id="1" name=""/>
+        <p:cNvGrpSpPr/>
+        <p:nvPr/>
+      </p:nvGrpSpPr>
+      <p:grpSpPr>
+        <a:xfrm>
+          <a:off x="0" y="0"/>
+          <a:ext cx="0" cy="0"/>
+          <a:chOff x="0" y="0"/>
+          <a:chExt cx="0" cy="0"/>
+        </a:xfrm>
+      </p:grpSpPr>
+      <p:sp>
+        <p:nvSpPr>
+          <p:cNvPr id="2" name="Title 1"/>
+          <p:cNvSpPr>
+            <a:spLocks noGrp="1"/>
+          </p:cNvSpPr>
+          <p:nvPr>
+            <p:ph type="title"/>
+          </p:nvPr>
+        </p:nvSpPr>
+        <p:spPr/>
+        <p:txBody>
+          <a:bodyPr>
+            <a:normAutofit/>
+          </a:bodyPr>
+          <a:lstStyle/>
+          <a:p>
+            <a:r>
+              <a:rPr lang="en-US" sz="3000" dirty="0"/>
+              <a:t>Next Step</a:t>
+            </a:r>
+          </a:p>
+        </p:txBody>
+      </p:sp>
+      <p:sp>
+        <p:nvSpPr>
+          <p:cNvPr id="3" name="Content Placeholder 2"/>
+          <p:cNvSpPr>
+            <a:spLocks noGrp="1"/>
+          </p:cNvSpPr>
+          <p:nvPr>
+            <p:ph idx="1"/>
+          </p:nvPr>
+        </p:nvSpPr>
+        <p:spPr/>
+        <p:txBody>
+          <a:bodyPr/>
+          <a:lstStyle/>
+          <a:p>
+            <a:r>
+              <a:rPr lang="en-US" dirty="0" smtClean="0"/>
+              <a:t>Improve the data join</a:t>
+            </a:r>
+          </a:p>
+          <a:p>
+            <a:endParaRPr lang="en-US" dirty="0" smtClean="0"/>
+          </a:p>
+          <a:p>
+            <a:r>
+              <a:rPr lang="en-US" dirty="0" smtClean="0"/>
+              <a:t>Check the outlier</a:t>
+            </a:r>
+          </a:p>
+          <a:p>
+            <a:endParaRPr lang="en-US" dirty="0" smtClean="0"/>
+          </a:p>
+          <a:p>
+            <a:r>
+              <a:rPr lang="en-US" dirty="0" smtClean="0"/>
+              <a:t>Build a model targeting award winning or not (0/1) so to finalize the strategy </a:t>
+            </a:r>
+          </a:p>
+          <a:p>
+            <a:endParaRPr lang="en-US" dirty="0"/>
+          </a:p>
+          <a:p>
+            <a:endParaRPr lang="en-US" dirty="0"/>
+          </a:p>
+        </p:txBody>
+      </p:sp>
+    </p:spTree>
+    <p:extLst>
+      <p:ext uri="{BB962C8B-B14F-4D97-AF65-F5344CB8AC3E}">
+        <p14:creationId xmlns:p14="http://schemas.microsoft.com/office/powerpoint/2010/main" val="1523423485"/>
+      </p:ext>
+    </p:extLst>
+  </p:cSld>
+  <p:clrMapOvr>
+    <a:masterClrMapping/>
+  </p:clrMapOvr>
+</p:sld>
+</file>
+
+<file path=ppt/slides/slide7.xml><?xml version="1.0" encoding="utf-8"?>
 <p:sld xmlns:a="http://schemas.openxmlformats.org/drawingml/2006/main" xmlns:r="http://schemas.openxmlformats.org/officeDocument/2006/relationships" xmlns:p="http://schemas.openxmlformats.org/presentationml/2006/main">
   <p:cSld>
     <p:spTree>

--- a/team_2_movie_presentation.pptx
+++ b/team_2_movie_presentation.pptx
@@ -5,7 +5,7 @@
     <p:sldMasterId id="2147483648" r:id="rId1"/>
   </p:sldMasterIdLst>
   <p:notesMasterIdLst>
-    <p:notesMasterId r:id="rId9"/>
+    <p:notesMasterId r:id="rId8"/>
   </p:notesMasterIdLst>
   <p:sldIdLst>
     <p:sldId id="279" r:id="rId2"/>
@@ -14,7 +14,6 @@
     <p:sldId id="284" r:id="rId5"/>
     <p:sldId id="280" r:id="rId6"/>
     <p:sldId id="286" r:id="rId7"/>
-    <p:sldId id="282" r:id="rId8"/>
   </p:sldIdLst>
   <p:sldSz cx="9144000" cy="6858000" type="screen4x3"/>
   <p:notesSz cx="6858000" cy="9144000"/>
@@ -2946,8 +2945,17 @@
             <a:pPr eaLnBrk="1" hangingPunct="1"/>
             <a:r>
               <a:rPr lang="en-US" dirty="0" smtClean="0"/>
-              <a:t>Beyond SQL (team 2)</a:t>
-            </a:r>
+              <a:t>How to invest in the </a:t>
+            </a:r>
+            <a:r>
+              <a:rPr lang="en-US" dirty="0"/>
+              <a:t>m</a:t>
+            </a:r>
+            <a:r>
+              <a:rPr lang="en-US" dirty="0" smtClean="0"/>
+              <a:t>ovie industry?</a:t>
+            </a:r>
+            <a:endParaRPr lang="en-US" dirty="0" smtClean="0"/>
           </a:p>
         </p:txBody>
       </p:sp>
@@ -2963,15 +2971,111 @@
         </p:nvSpPr>
         <p:spPr>
           <a:xfrm>
-            <a:off x="1438275" y="3886200"/>
-            <a:ext cx="6400800" cy="1752600"/>
+            <a:off x="1438274" y="3886200"/>
+            <a:ext cx="6715125" cy="2286000"/>
           </a:xfrm>
         </p:spPr>
         <p:txBody>
           <a:bodyPr/>
           <a:lstStyle/>
           <a:p>
+            <a:r>
+              <a:rPr lang="en-US" dirty="0"/>
+              <a:t>Beyond SQL (team 2)</a:t>
+            </a:r>
+            <a:endParaRPr lang="en-US" dirty="0" smtClean="0">
+              <a:latin typeface="+mj-lt"/>
+            </a:endParaRPr>
+          </a:p>
+          <a:p>
             <a:pPr eaLnBrk="1" hangingPunct="1"/>
+            <a:endParaRPr lang="en-US" dirty="0">
+              <a:latin typeface="+mj-lt"/>
+            </a:endParaRPr>
+          </a:p>
+          <a:p>
+            <a:pPr eaLnBrk="1" hangingPunct="1"/>
+            <a:r>
+              <a:rPr lang="en-US" dirty="0" smtClean="0">
+                <a:latin typeface="+mj-lt"/>
+              </a:rPr>
+              <a:t>Chris </a:t>
+            </a:r>
+            <a:r>
+              <a:rPr lang="en-US" dirty="0" err="1" smtClean="0">
+                <a:latin typeface="+mj-lt"/>
+              </a:rPr>
+              <a:t>Gouker</a:t>
+            </a:r>
+            <a:endParaRPr lang="en-US" dirty="0" smtClean="0">
+              <a:latin typeface="+mj-lt"/>
+            </a:endParaRPr>
+          </a:p>
+          <a:p>
+            <a:pPr eaLnBrk="1" hangingPunct="1"/>
+            <a:r>
+              <a:rPr lang="en-US" dirty="0" err="1" smtClean="0">
+                <a:latin typeface="+mj-lt"/>
+              </a:rPr>
+              <a:t>Gopinath</a:t>
+            </a:r>
+            <a:r>
+              <a:rPr lang="en-US" dirty="0" smtClean="0">
+                <a:latin typeface="+mj-lt"/>
+              </a:rPr>
+              <a:t> </a:t>
+            </a:r>
+            <a:r>
+              <a:rPr lang="en-US" dirty="0" err="1" smtClean="0">
+                <a:latin typeface="+mj-lt"/>
+              </a:rPr>
+              <a:t>Jeereddy</a:t>
+            </a:r>
+            <a:endParaRPr lang="en-US" dirty="0" smtClean="0">
+              <a:latin typeface="+mj-lt"/>
+            </a:endParaRPr>
+          </a:p>
+          <a:p>
+            <a:pPr eaLnBrk="1" hangingPunct="1"/>
+            <a:r>
+              <a:rPr lang="en-US" dirty="0" smtClean="0">
+                <a:latin typeface="+mj-lt"/>
+              </a:rPr>
+              <a:t>Edward Zhang</a:t>
+            </a:r>
+          </a:p>
+          <a:p>
+            <a:r>
+              <a:rPr lang="en-US" dirty="0" smtClean="0"/>
+              <a:t>Thong-</a:t>
+            </a:r>
+            <a:r>
+              <a:rPr lang="en-US" dirty="0" err="1" smtClean="0"/>
+              <a:t>quan</a:t>
+            </a:r>
+            <a:r>
+              <a:rPr lang="en-US" dirty="0"/>
+              <a:t> </a:t>
+            </a:r>
+            <a:r>
+              <a:rPr lang="en-US" dirty="0" smtClean="0">
+                <a:latin typeface="+mj-lt"/>
+              </a:rPr>
+              <a:t>Pham</a:t>
+            </a:r>
+          </a:p>
+          <a:p>
+            <a:endParaRPr lang="en-US" dirty="0" smtClean="0">
+              <a:latin typeface="+mj-lt"/>
+            </a:endParaRPr>
+          </a:p>
+          <a:p>
+            <a:r>
+              <a:rPr lang="en-US" dirty="0" smtClean="0">
+                <a:latin typeface="+mj-lt"/>
+              </a:rPr>
+              <a:t>2016-04-15</a:t>
+            </a:r>
             <a:endParaRPr lang="en-US" dirty="0" smtClean="0">
               <a:latin typeface="+mj-lt"/>
             </a:endParaRPr>
@@ -3047,23 +3151,43 @@
             <p:ph idx="1"/>
           </p:nvPr>
         </p:nvSpPr>
-        <p:spPr/>
+        <p:spPr>
+          <a:xfrm>
+            <a:off x="304800" y="1752600"/>
+            <a:ext cx="8534400" cy="4267200"/>
+          </a:xfrm>
+        </p:spPr>
         <p:txBody>
           <a:bodyPr/>
           <a:lstStyle/>
           <a:p>
             <a:r>
+              <a:rPr lang="en-US" dirty="0"/>
+              <a:t>Venture capital company – Brian &amp; Mark, Inc. has $100M fund and want to invest into the movie industry</a:t>
+            </a:r>
+          </a:p>
+          <a:p>
+            <a:pPr lvl="1"/>
+            <a:r>
+              <a:rPr lang="en-US" dirty="0"/>
+              <a:t>They want to know what they need to do so to either: get big revenue and win the award</a:t>
+            </a:r>
+          </a:p>
+          <a:p>
+            <a:endParaRPr lang="en-US" dirty="0" smtClean="0"/>
+          </a:p>
+          <a:p>
+            <a:r>
               <a:rPr lang="en-US" dirty="0" smtClean="0"/>
-              <a:t>Venture capital company – Brian &amp; Mark, Inc. has $100M fund and want to invest into the movie industry</a:t>
-            </a:r>
-          </a:p>
-          <a:p>
-            <a:endParaRPr lang="en-US" dirty="0"/>
-          </a:p>
-          <a:p>
+              <a:t>Brian &amp; Mark has provided </a:t>
+            </a:r>
+            <a:r>
+              <a:rPr lang="en-US" dirty="0"/>
+              <a:t>movies and critics </a:t>
+            </a:r>
             <a:r>
               <a:rPr lang="en-US" dirty="0" smtClean="0"/>
-              <a:t>They want to know what they need to do so to either: get big revenue and win the award</a:t>
+              <a:t>data, we also added alternative data of award winning information</a:t>
             </a:r>
             <a:endParaRPr lang="en-US" dirty="0"/>
           </a:p>
@@ -3192,13 +3316,8 @@
           <a:p>
             <a:r>
               <a:rPr lang="en-US" dirty="0" smtClean="0"/>
-              <a:t>Film Award </a:t>
-            </a:r>
-            <a:r>
-              <a:rPr lang="en-US" dirty="0" smtClean="0"/>
-              <a:t>data (ADS data)</a:t>
-            </a:r>
-            <a:endParaRPr lang="en-US" dirty="0" smtClean="0"/>
+              <a:t>Film Award data (ADS data)</a:t>
+            </a:r>
           </a:p>
           <a:p>
             <a:pPr lvl="1"/>
@@ -3263,8 +3382,13 @@
           <a:p>
             <a:r>
               <a:rPr lang="en-US" dirty="0" smtClean="0"/>
-              <a:t>Defined “major award” as in (‘Best Picture’, ‘Best Director’, ‘Best Actor’, ‘Best Actress’, and ‘Cinematography’</a:t>
-            </a:r>
+              <a:t>Defined “major award” as in (‘Best Picture’, ‘Best Director’, ‘Best Actor’, ‘Best Actress’, and ‘Cinematography</a:t>
+            </a:r>
+            <a:r>
+              <a:rPr lang="en-US" dirty="0" smtClean="0"/>
+              <a:t>’)</a:t>
+            </a:r>
+            <a:endParaRPr lang="en-US" dirty="0" smtClean="0"/>
           </a:p>
         </p:txBody>
       </p:sp>
@@ -3344,7 +3468,7 @@
             <p:ph idx="1"/>
             <p:extLst>
               <p:ext uri="{D42A27DB-BD31-4B8C-83A1-F6EECF244321}">
-                <p14:modId xmlns:p14="http://schemas.microsoft.com/office/powerpoint/2010/main" val="437961473"/>
+                <p14:modId xmlns:p14="http://schemas.microsoft.com/office/powerpoint/2010/main" val="99540145"/>
               </p:ext>
             </p:extLst>
           </p:nvPr>
@@ -3370,7 +3494,7 @@
                     <a:lstStyle/>
                     <a:p>
                       <a:r>
-                        <a:rPr lang="en-US" sz="1100" dirty="0"/>
+                        <a:rPr lang="en-US" sz="1400" dirty="0"/>
                         <a:t>OLS Regression Results</a:t>
                       </a:r>
                     </a:p>
@@ -3416,7 +3540,7 @@
                     <a:p>
                       <a:pPr algn="l" fontAlgn="ctr"/>
                       <a:r>
-                        <a:rPr lang="en-US" sz="1100" b="1" dirty="0">
+                        <a:rPr lang="en-US" sz="1400" b="1" dirty="0">
                           <a:effectLst/>
                         </a:rPr>
                         <a:t>Dep. Variable:</a:t>
@@ -3460,11 +3584,14 @@
                     <a:p>
                       <a:pPr algn="l" fontAlgn="ctr"/>
                       <a:r>
-                        <a:rPr lang="en-US" sz="1100">
+                        <a:rPr lang="en-US" sz="1400" dirty="0" err="1">
                           <a:effectLst/>
                         </a:rPr>
                         <a:t>f_log_domestic</a:t>
                       </a:r>
+                      <a:endParaRPr lang="en-US" sz="1400" dirty="0">
+                        <a:effectLst/>
+                      </a:endParaRPr>
                     </a:p>
                   </a:txBody>
                   <a:tcPr marL="38100" marR="38100" marT="38100" marB="38100" anchor="ctr">
@@ -3513,7 +3640,7 @@
                     <a:p>
                       <a:pPr algn="l" fontAlgn="ctr"/>
                       <a:r>
-                        <a:rPr lang="en-US" sz="1100" b="1">
+                        <a:rPr lang="en-US" sz="1400" b="1">
                           <a:effectLst/>
                         </a:rPr>
                         <a:t>R-squared:</a:t>
@@ -3566,7 +3693,7 @@
                     <a:p>
                       <a:pPr algn="l" fontAlgn="ctr"/>
                       <a:r>
-                        <a:rPr lang="nb-NO" sz="1100" dirty="0">
+                        <a:rPr lang="nb-NO" sz="1400" dirty="0">
                           <a:effectLst/>
                         </a:rPr>
                         <a:t>0.951</a:t>
@@ -3621,7 +3748,7 @@
                     <a:p>
                       <a:pPr algn="l" fontAlgn="ctr"/>
                       <a:r>
-                        <a:rPr lang="en-US" sz="1100" b="1">
+                        <a:rPr lang="en-US" sz="1400" b="1">
                           <a:effectLst/>
                         </a:rPr>
                         <a:t>Model:</a:t>
@@ -3674,7 +3801,7 @@
                     <a:p>
                       <a:pPr algn="l" fontAlgn="ctr"/>
                       <a:r>
-                        <a:rPr lang="en-US" sz="1100" dirty="0">
+                        <a:rPr lang="en-US" sz="1400" dirty="0">
                           <a:effectLst/>
                         </a:rPr>
                         <a:t>OLS</a:t>
@@ -3727,7 +3854,7 @@
                     <a:p>
                       <a:pPr algn="l" fontAlgn="ctr"/>
                       <a:r>
-                        <a:rPr lang="en-US" sz="1100" b="1">
+                        <a:rPr lang="en-US" sz="1400" b="1">
                           <a:effectLst/>
                         </a:rPr>
                         <a:t>Adj. R-squared:</a:t>
@@ -3780,7 +3907,7 @@
                     <a:p>
                       <a:pPr algn="l" fontAlgn="ctr"/>
                       <a:r>
-                        <a:rPr lang="nb-NO" sz="1100">
+                        <a:rPr lang="nb-NO" sz="1400">
                           <a:effectLst/>
                         </a:rPr>
                         <a:t>0.951</a:t>
@@ -3835,7 +3962,7 @@
                     <a:p>
                       <a:pPr algn="l" fontAlgn="ctr"/>
                       <a:r>
-                        <a:rPr lang="en-US" sz="1100" b="1">
+                        <a:rPr lang="en-US" sz="1400" b="1">
                           <a:effectLst/>
                         </a:rPr>
                         <a:t>Method:</a:t>
@@ -3888,7 +4015,7 @@
                     <a:p>
                       <a:pPr algn="l" fontAlgn="ctr"/>
                       <a:r>
-                        <a:rPr lang="en-US" sz="1100" dirty="0">
+                        <a:rPr lang="en-US" sz="1400" dirty="0">
                           <a:effectLst/>
                         </a:rPr>
                         <a:t>Least Squares</a:t>
@@ -3941,7 +4068,7 @@
                     <a:p>
                       <a:pPr algn="l" fontAlgn="ctr"/>
                       <a:r>
-                        <a:rPr lang="en-US" sz="1100" b="1">
+                        <a:rPr lang="en-US" sz="1400" b="1" dirty="0">
                           <a:effectLst/>
                         </a:rPr>
                         <a:t>F-statistic:</a:t>
@@ -3994,7 +4121,7 @@
                     <a:p>
                       <a:pPr algn="l" fontAlgn="ctr"/>
                       <a:r>
-                        <a:rPr lang="nb-NO" sz="1100">
+                        <a:rPr lang="nb-NO" sz="1400">
                           <a:effectLst/>
                         </a:rPr>
                         <a:t>1750.</a:t>
@@ -4049,7 +4176,7 @@
                     <a:p>
                       <a:pPr algn="l" fontAlgn="ctr"/>
                       <a:r>
-                        <a:rPr lang="en-US" sz="1100" b="1">
+                        <a:rPr lang="en-US" sz="1400" b="1">
                           <a:effectLst/>
                         </a:rPr>
                         <a:t>Date:</a:t>
@@ -4102,7 +4229,7 @@
                     <a:p>
                       <a:pPr algn="l" fontAlgn="ctr"/>
                       <a:r>
-                        <a:rPr lang="is-IS" sz="1100" dirty="0">
+                        <a:rPr lang="is-IS" sz="1400" dirty="0">
                           <a:effectLst/>
                         </a:rPr>
                         <a:t>Fri, 15 Apr 2016</a:t>
@@ -4155,10 +4282,16 @@
                     <a:p>
                       <a:pPr algn="l" fontAlgn="ctr"/>
                       <a:r>
-                        <a:rPr lang="en-US" sz="1100" b="1">
+                        <a:rPr lang="en-US" sz="1400" b="1" dirty="0" err="1">
                           <a:effectLst/>
                         </a:rPr>
-                        <a:t>Prob (F-statistic):</a:t>
+                        <a:t>Prob</a:t>
+                      </a:r>
+                      <a:r>
+                        <a:rPr lang="en-US" sz="1400" b="1" dirty="0">
+                          <a:effectLst/>
+                        </a:rPr>
+                        <a:t> (F-statistic):</a:t>
                       </a:r>
                     </a:p>
                   </a:txBody>
@@ -4208,7 +4341,7 @@
                     <a:p>
                       <a:pPr algn="l" fontAlgn="ctr"/>
                       <a:r>
-                        <a:rPr lang="nb-NO" sz="1100">
+                        <a:rPr lang="nb-NO" sz="1400">
                           <a:effectLst/>
                         </a:rPr>
                         <a:t>0.00</a:t>
@@ -4263,7 +4396,7 @@
                     <a:p>
                       <a:pPr algn="l" fontAlgn="ctr"/>
                       <a:r>
-                        <a:rPr lang="en-US" sz="1100" b="1">
+                        <a:rPr lang="en-US" sz="1400" b="1">
                           <a:effectLst/>
                         </a:rPr>
                         <a:t>Time:</a:t>
@@ -4316,7 +4449,7 @@
                     <a:p>
                       <a:pPr algn="l" fontAlgn="ctr"/>
                       <a:r>
-                        <a:rPr lang="is-IS" sz="1100" dirty="0">
+                        <a:rPr lang="is-IS" sz="1400" dirty="0">
                           <a:effectLst/>
                         </a:rPr>
                         <a:t>10:01:32</a:t>
@@ -4369,7 +4502,7 @@
                     <a:p>
                       <a:pPr algn="l" fontAlgn="ctr"/>
                       <a:r>
-                        <a:rPr lang="en-US" sz="1100" b="1">
+                        <a:rPr lang="en-US" sz="1400" b="1" dirty="0">
                           <a:effectLst/>
                         </a:rPr>
                         <a:t>Log-Likelihood:</a:t>
@@ -4422,7 +4555,7 @@
                     <a:p>
                       <a:pPr algn="l" fontAlgn="ctr"/>
                       <a:r>
-                        <a:rPr lang="cs-CZ" sz="1100" dirty="0">
+                        <a:rPr lang="cs-CZ" sz="1400" dirty="0">
                           <a:effectLst/>
                         </a:rPr>
                         <a:t>-1409.7</a:t>
@@ -4477,7 +4610,7 @@
                     <a:p>
                       <a:pPr algn="l" fontAlgn="ctr"/>
                       <a:r>
-                        <a:rPr lang="en-US" sz="1100" b="1">
+                        <a:rPr lang="en-US" sz="1400" b="1">
                           <a:effectLst/>
                         </a:rPr>
                         <a:t>No. Observations:</a:t>
@@ -4530,7 +4663,7 @@
                     <a:p>
                       <a:pPr algn="l" fontAlgn="ctr"/>
                       <a:r>
-                        <a:rPr lang="cs-CZ" sz="1100" dirty="0">
+                        <a:rPr lang="cs-CZ" sz="1400" dirty="0">
                           <a:effectLst/>
                         </a:rPr>
                         <a:t>1449</a:t>
@@ -4583,7 +4716,7 @@
                     <a:p>
                       <a:pPr algn="l" fontAlgn="ctr"/>
                       <a:r>
-                        <a:rPr lang="en-US" sz="1100" b="1">
+                        <a:rPr lang="en-US" sz="1400" b="1" dirty="0">
                           <a:effectLst/>
                         </a:rPr>
                         <a:t>AIC:</a:t>
@@ -4636,7 +4769,7 @@
                     <a:p>
                       <a:pPr algn="l" fontAlgn="ctr"/>
                       <a:r>
-                        <a:rPr lang="is-IS" sz="1100">
+                        <a:rPr lang="is-IS" sz="1400">
                           <a:effectLst/>
                         </a:rPr>
                         <a:t>2853.</a:t>
@@ -4691,7 +4824,7 @@
                     <a:p>
                       <a:pPr algn="l" fontAlgn="ctr"/>
                       <a:r>
-                        <a:rPr lang="en-US" sz="1100" b="1">
+                        <a:rPr lang="en-US" sz="1400" b="1">
                           <a:effectLst/>
                         </a:rPr>
                         <a:t>Df Residuals:</a:t>
@@ -4744,7 +4877,7 @@
                     <a:p>
                       <a:pPr algn="l" fontAlgn="ctr"/>
                       <a:r>
-                        <a:rPr lang="is-IS" sz="1100">
+                        <a:rPr lang="is-IS" sz="1400">
                           <a:effectLst/>
                         </a:rPr>
                         <a:t>1432</a:t>
@@ -4797,7 +4930,7 @@
                     <a:p>
                       <a:pPr algn="l" fontAlgn="ctr"/>
                       <a:r>
-                        <a:rPr lang="en-US" sz="1100" b="1" dirty="0">
+                        <a:rPr lang="en-US" sz="1400" b="1" dirty="0">
                           <a:effectLst/>
                         </a:rPr>
                         <a:t>BIC:</a:t>
@@ -4850,7 +4983,7 @@
                     <a:p>
                       <a:pPr algn="l" fontAlgn="ctr"/>
                       <a:r>
-                        <a:rPr lang="hr-HR" sz="1100">
+                        <a:rPr lang="hr-HR" sz="1400">
                           <a:effectLst/>
                         </a:rPr>
                         <a:t>2943.</a:t>
@@ -4905,7 +5038,7 @@
                     <a:p>
                       <a:pPr algn="l" fontAlgn="ctr"/>
                       <a:r>
-                        <a:rPr lang="en-US" sz="1100" b="1">
+                        <a:rPr lang="en-US" sz="1400" b="1">
                           <a:effectLst/>
                         </a:rPr>
                         <a:t>Df Model:</a:t>
@@ -4958,7 +5091,7 @@
                     <a:p>
                       <a:pPr algn="l" fontAlgn="ctr"/>
                       <a:r>
-                        <a:rPr lang="en-US" sz="1100">
+                        <a:rPr lang="en-US" sz="1400">
                           <a:effectLst/>
                         </a:rPr>
                         <a:t>16</a:t>
@@ -5010,7 +5143,7 @@
                     <a:lstStyle/>
                     <a:p>
                       <a:pPr algn="l" fontAlgn="ctr"/>
-                      <a:endParaRPr lang="en-US" sz="1100" b="1" dirty="0">
+                      <a:endParaRPr lang="en-US" sz="1400" b="1" dirty="0">
                         <a:effectLst/>
                       </a:endParaRPr>
                     </a:p>
@@ -5060,7 +5193,7 @@
                     <a:lstStyle/>
                     <a:p>
                       <a:pPr algn="l" fontAlgn="ctr"/>
-                      <a:endParaRPr lang="en-US" sz="1100">
+                      <a:endParaRPr lang="en-US" sz="1400" dirty="0">
                         <a:effectLst/>
                       </a:endParaRPr>
                     </a:p>
@@ -5113,7 +5246,7 @@
                     <a:p>
                       <a:pPr algn="l" fontAlgn="ctr"/>
                       <a:r>
-                        <a:rPr lang="en-US" sz="1100" b="1" i="0">
+                        <a:rPr lang="en-US" sz="1400" b="1" i="0">
                           <a:solidFill>
                             <a:srgbClr val="000000"/>
                           </a:solidFill>
@@ -5173,7 +5306,7 @@
                     <a:p>
                       <a:pPr algn="l" fontAlgn="ctr"/>
                       <a:r>
-                        <a:rPr lang="en-US" sz="1100" b="0" i="0">
+                        <a:rPr lang="en-US" sz="1400" b="0" i="0">
                           <a:solidFill>
                             <a:srgbClr val="000000"/>
                           </a:solidFill>
@@ -5232,7 +5365,7 @@
                     <a:lstStyle/>
                     <a:p>
                       <a:pPr algn="l" fontAlgn="ctr"/>
-                      <a:endParaRPr lang="en-US" sz="1100" b="1" i="0" dirty="0">
+                      <a:endParaRPr lang="en-US" sz="1400" b="1" i="0" dirty="0">
                         <a:solidFill>
                           <a:srgbClr val="000000"/>
                         </a:solidFill>
@@ -5288,7 +5421,7 @@
                     <a:bodyPr/>
                     <a:lstStyle/>
                     <a:p>
-                      <a:endParaRPr lang="en-US" sz="1100" dirty="0"/>
+                      <a:endParaRPr lang="en-US" sz="1400" dirty="0"/>
                     </a:p>
                   </a:txBody>
                   <a:tcPr marL="68580" marR="68580" marT="34290" marB="34290">
@@ -5325,7 +5458,7 @@
         </p:nvSpPr>
         <p:spPr>
           <a:xfrm>
-            <a:off x="467752" y="5119760"/>
+            <a:off x="467752" y="5442719"/>
             <a:ext cx="8208497" cy="577081"/>
           </a:xfrm>
           <a:prstGeom prst="rect">
@@ -5535,7 +5668,7 @@
             <p:ph idx="1"/>
             <p:extLst>
               <p:ext uri="{D42A27DB-BD31-4B8C-83A1-F6EECF244321}">
-                <p14:modId xmlns:p14="http://schemas.microsoft.com/office/powerpoint/2010/main" val="303591122"/>
+                <p14:modId xmlns:p14="http://schemas.microsoft.com/office/powerpoint/2010/main" val="2018519099"/>
               </p:ext>
             </p:extLst>
           </p:nvPr>
@@ -5807,11 +5940,7 @@
                       </a:r>
                       <a:r>
                         <a:rPr lang="en-US" sz="1200" baseline="0" dirty="0" smtClean="0"/>
-                        <a:t> </a:t>
-                      </a:r>
-                      <a:r>
-                        <a:rPr lang="en-US" sz="1200" baseline="0" dirty="0" smtClean="0"/>
-                        <a:t>17MM</a:t>
+                        <a:t> 17MM</a:t>
                       </a:r>
                     </a:p>
                     <a:p>
@@ -5835,11 +5964,7 @@
                       </a:pPr>
                       <a:r>
                         <a:rPr lang="en-US" sz="1200" baseline="0" dirty="0" smtClean="0"/>
-                        <a:t>Primary </a:t>
-                      </a:r>
-                      <a:r>
-                        <a:rPr lang="en-US" sz="1200" baseline="0" dirty="0" smtClean="0"/>
-                        <a:t>Directors:</a:t>
+                        <a:t>Primary Directors:</a:t>
                       </a:r>
                     </a:p>
                     <a:p>
@@ -5973,11 +6098,7 @@
                       </a:pPr>
                       <a:r>
                         <a:rPr lang="en-US" sz="1200" dirty="0" smtClean="0"/>
-                        <a:t>Budget </a:t>
-                      </a:r>
-                      <a:r>
-                        <a:rPr lang="en-US" sz="1200" dirty="0" smtClean="0"/>
-                        <a:t>45MM</a:t>
+                        <a:t>Budget 45MM</a:t>
                       </a:r>
                     </a:p>
                     <a:p>
@@ -5993,11 +6114,6 @@
                         </a:rPr>
                         <a:t>Return: 1.91x</a:t>
                       </a:r>
-                      <a:endParaRPr lang="en-US" sz="1200" dirty="0" smtClean="0">
-                        <a:solidFill>
-                          <a:srgbClr val="008000"/>
-                        </a:solidFill>
-                      </a:endParaRPr>
                     </a:p>
                     <a:p>
                       <a:pPr marL="285750" indent="-285750">
@@ -6146,7 +6262,11 @@
                       </a:r>
                       <a:r>
                         <a:rPr lang="en-US" baseline="0" dirty="0" smtClean="0"/>
-                        <a:t> Award*</a:t>
+                        <a:t> </a:t>
+                      </a:r>
+                      <a:r>
+                        <a:rPr lang="en-US" baseline="0" dirty="0" smtClean="0"/>
+                        <a:t>Award*</a:t>
                       </a:r>
                       <a:endParaRPr lang="en-US" dirty="0"/>
                     </a:p>
@@ -6218,11 +6338,7 @@
                       </a:pPr>
                       <a:r>
                         <a:rPr lang="en-US" sz="1200" baseline="0" dirty="0" smtClean="0"/>
-                        <a:t>Budget </a:t>
-                      </a:r>
-                      <a:r>
-                        <a:rPr lang="en-US" sz="1200" baseline="0" dirty="0" smtClean="0"/>
-                        <a:t>18MM</a:t>
+                        <a:t>Budget 18MM</a:t>
                       </a:r>
                     </a:p>
                     <a:p>
@@ -6238,11 +6354,6 @@
                         </a:rPr>
                         <a:t>Return: -0.33x</a:t>
                       </a:r>
-                      <a:endParaRPr lang="en-US" sz="1200" baseline="0" dirty="0" smtClean="0">
-                        <a:solidFill>
-                          <a:srgbClr val="FF0000"/>
-                        </a:solidFill>
-                      </a:endParaRPr>
                     </a:p>
                     <a:p>
                       <a:pPr marL="285750" indent="-285750">
@@ -6414,11 +6525,7 @@
                       </a:pPr>
                       <a:r>
                         <a:rPr lang="en-US" sz="1200" dirty="0" smtClean="0"/>
-                        <a:t>Budget </a:t>
-                      </a:r>
-                      <a:r>
-                        <a:rPr lang="en-US" sz="1200" dirty="0" smtClean="0"/>
-                        <a:t>53MM</a:t>
+                        <a:t>Budget 53MM</a:t>
                       </a:r>
                     </a:p>
                     <a:p>
@@ -6691,6 +6798,17 @@
               <a:rPr lang="en-US" dirty="0" smtClean="0"/>
               <a:t>Build a model targeting award winning or not (0/1) so to finalize the strategy </a:t>
             </a:r>
+            <a:endParaRPr lang="en-US" dirty="0" smtClean="0"/>
+          </a:p>
+          <a:p>
+            <a:endParaRPr lang="en-US" dirty="0"/>
+          </a:p>
+          <a:p>
+            <a:r>
+              <a:rPr lang="en-US" dirty="0" smtClean="0"/>
+              <a:t>Standardize the code to make it an API for wide usage</a:t>
+            </a:r>
+            <a:endParaRPr lang="en-US" dirty="0" smtClean="0"/>
           </a:p>
           <a:p>
             <a:endParaRPr lang="en-US" dirty="0"/>
@@ -6710,81 +6828,6 @@
   <p:clrMapOvr>
     <a:masterClrMapping/>
   </p:clrMapOvr>
-</p:sld>
-</file>
-
-<file path=ppt/slides/slide7.xml><?xml version="1.0" encoding="utf-8"?>
-<p:sld xmlns:a="http://schemas.openxmlformats.org/drawingml/2006/main" xmlns:r="http://schemas.openxmlformats.org/officeDocument/2006/relationships" xmlns:p="http://schemas.openxmlformats.org/presentationml/2006/main">
-  <p:cSld>
-    <p:spTree>
-      <p:nvGrpSpPr>
-        <p:cNvPr id="1" name=""/>
-        <p:cNvGrpSpPr/>
-        <p:nvPr/>
-      </p:nvGrpSpPr>
-      <p:grpSpPr>
-        <a:xfrm>
-          <a:off x="0" y="0"/>
-          <a:ext cx="0" cy="0"/>
-          <a:chOff x="0" y="0"/>
-          <a:chExt cx="0" cy="0"/>
-        </a:xfrm>
-      </p:grpSpPr>
-      <p:sp>
-        <p:nvSpPr>
-          <p:cNvPr id="2" name="Title 1"/>
-          <p:cNvSpPr>
-            <a:spLocks noGrp="1"/>
-          </p:cNvSpPr>
-          <p:nvPr>
-            <p:ph type="title"/>
-          </p:nvPr>
-        </p:nvSpPr>
-        <p:spPr/>
-        <p:txBody>
-          <a:bodyPr/>
-          <a:lstStyle/>
-          <a:p>
-            <a:endParaRPr lang="en-US"/>
-          </a:p>
-        </p:txBody>
-      </p:sp>
-      <p:sp>
-        <p:nvSpPr>
-          <p:cNvPr id="3" name="Content Placeholder 2"/>
-          <p:cNvSpPr>
-            <a:spLocks noGrp="1"/>
-          </p:cNvSpPr>
-          <p:nvPr>
-            <p:ph idx="1"/>
-          </p:nvPr>
-        </p:nvSpPr>
-        <p:spPr/>
-        <p:txBody>
-          <a:bodyPr/>
-          <a:lstStyle/>
-          <a:p>
-            <a:endParaRPr lang="en-US"/>
-          </a:p>
-        </p:txBody>
-      </p:sp>
-    </p:spTree>
-    <p:extLst>
-      <p:ext uri="{BB962C8B-B14F-4D97-AF65-F5344CB8AC3E}">
-        <p14:creationId xmlns:p14="http://schemas.microsoft.com/office/powerpoint/2010/main" val="3668759856"/>
-      </p:ext>
-    </p:extLst>
-  </p:cSld>
-  <p:clrMapOvr>
-    <a:masterClrMapping/>
-  </p:clrMapOvr>
-  <p:timing>
-    <p:tnLst>
-      <p:par>
-        <p:cTn id="1" dur="indefinite" restart="never" nodeType="tmRoot"/>
-      </p:par>
-    </p:tnLst>
-  </p:timing>
 </p:sld>
 </file>
 
